--- a/lectures/04/Тест.pptx
+++ b/lectures/04/Тест.pptx
@@ -5,16 +5,18 @@
     <p:sldMasterId id="2147483648" r:id="rId1"/>
   </p:sldMasterIdLst>
   <p:notesMasterIdLst>
-    <p:notesMasterId r:id="rId4"/>
+    <p:notesMasterId r:id="rId6"/>
   </p:notesMasterIdLst>
   <p:sldIdLst>
     <p:sldId id="256" r:id="rId2"/>
-    <p:sldId id="257" r:id="rId3"/>
+    <p:sldId id="258" r:id="rId3"/>
+    <p:sldId id="257" r:id="rId4"/>
+    <p:sldId id="259" r:id="rId5"/>
   </p:sldIdLst>
   <p:sldSz cx="9144000" cy="6858000" type="screen4x3"/>
   <p:notesSz cx="6858000" cy="9144000"/>
   <p:custDataLst>
-    <p:tags r:id="rId5"/>
+    <p:tags r:id="rId7"/>
   </p:custDataLst>
   <p:defaultTextStyle>
     <a:defPPr>
@@ -196,7 +198,7 @@
           <a:p>
             <a:fld id="{A1FABED6-AB77-4B87-9A25-98A174122B3F}" type="datetimeFigureOut">
               <a:rPr lang="ru-RU" smtClean="0"/>
-              <a:t>30.03.2016</a:t>
+              <a:t>16.04.2020</a:t>
             </a:fld>
             <a:endParaRPr lang="ru-RU"/>
           </a:p>
@@ -548,6 +550,90 @@
 </p:notes>
 </file>
 
+<file path=ppt/notesSlides/notesSlide2.xml><?xml version="1.0" encoding="utf-8"?>
+<p:notes xmlns:a="http://schemas.openxmlformats.org/drawingml/2006/main" xmlns:r="http://schemas.openxmlformats.org/officeDocument/2006/relationships" xmlns:p="http://schemas.openxmlformats.org/presentationml/2006/main">
+  <p:cSld>
+    <p:spTree>
+      <p:nvGrpSpPr>
+        <p:cNvPr id="1" name=""/>
+        <p:cNvGrpSpPr/>
+        <p:nvPr/>
+      </p:nvGrpSpPr>
+      <p:grpSpPr>
+        <a:xfrm>
+          <a:off x="0" y="0"/>
+          <a:ext cx="0" cy="0"/>
+          <a:chOff x="0" y="0"/>
+          <a:chExt cx="0" cy="0"/>
+        </a:xfrm>
+      </p:grpSpPr>
+      <p:sp>
+        <p:nvSpPr>
+          <p:cNvPr id="2" name="Образ слайда 1"/>
+          <p:cNvSpPr>
+            <a:spLocks noGrp="1" noRot="1" noChangeAspect="1"/>
+          </p:cNvSpPr>
+          <p:nvPr>
+            <p:ph type="sldImg"/>
+          </p:nvPr>
+        </p:nvSpPr>
+        <p:spPr/>
+      </p:sp>
+      <p:sp>
+        <p:nvSpPr>
+          <p:cNvPr id="3" name="Заметки 2"/>
+          <p:cNvSpPr>
+            <a:spLocks noGrp="1"/>
+          </p:cNvSpPr>
+          <p:nvPr>
+            <p:ph type="body" idx="1"/>
+          </p:nvPr>
+        </p:nvSpPr>
+        <p:spPr/>
+        <p:txBody>
+          <a:bodyPr/>
+          <a:lstStyle/>
+          <a:p>
+            <a:endParaRPr lang="ru-RU" dirty="0"/>
+          </a:p>
+        </p:txBody>
+      </p:sp>
+      <p:sp>
+        <p:nvSpPr>
+          <p:cNvPr id="4" name="Номер слайда 3"/>
+          <p:cNvSpPr>
+            <a:spLocks noGrp="1"/>
+          </p:cNvSpPr>
+          <p:nvPr>
+            <p:ph type="sldNum" sz="quarter" idx="10"/>
+          </p:nvPr>
+        </p:nvSpPr>
+        <p:spPr/>
+        <p:txBody>
+          <a:bodyPr/>
+          <a:lstStyle/>
+          <a:p>
+            <a:fld id="{FBBBE014-1327-4C46-9999-89757FA68F1E}" type="slidenum">
+              <a:rPr lang="ru-RU" smtClean="0"/>
+              <a:t>2</a:t>
+            </a:fld>
+            <a:endParaRPr lang="ru-RU"/>
+          </a:p>
+        </p:txBody>
+      </p:sp>
+    </p:spTree>
+    <p:extLst>
+      <p:ext uri="{BB962C8B-B14F-4D97-AF65-F5344CB8AC3E}">
+        <p14:creationId xmlns:p14="http://schemas.microsoft.com/office/powerpoint/2010/main" val="1062534695"/>
+      </p:ext>
+    </p:extLst>
+  </p:cSld>
+  <p:clrMapOvr>
+    <a:masterClrMapping/>
+  </p:clrMapOvr>
+</p:notes>
+</file>
+
 <file path=ppt/slideLayouts/slideLayout1.xml><?xml version="1.0" encoding="utf-8"?>
 <p:sldLayout xmlns:a="http://schemas.openxmlformats.org/drawingml/2006/main" xmlns:r="http://schemas.openxmlformats.org/officeDocument/2006/relationships" xmlns:p="http://schemas.openxmlformats.org/presentationml/2006/main" type="title" preserve="1">
   <p:cSld name="Титульный слайд">
@@ -729,7 +815,7 @@
           <a:p>
             <a:fld id="{8EDFBDB9-C9C6-4A59-84BD-8B8EE437D4E9}" type="datetimeFigureOut">
               <a:rPr lang="ru-RU" smtClean="0"/>
-              <a:t>30.03.2016</a:t>
+              <a:t>16.04.2020</a:t>
             </a:fld>
             <a:endParaRPr lang="ru-RU"/>
           </a:p>
@@ -899,7 +985,7 @@
           <a:p>
             <a:fld id="{8EDFBDB9-C9C6-4A59-84BD-8B8EE437D4E9}" type="datetimeFigureOut">
               <a:rPr lang="ru-RU" smtClean="0"/>
-              <a:t>30.03.2016</a:t>
+              <a:t>16.04.2020</a:t>
             </a:fld>
             <a:endParaRPr lang="ru-RU"/>
           </a:p>
@@ -1079,7 +1165,7 @@
           <a:p>
             <a:fld id="{8EDFBDB9-C9C6-4A59-84BD-8B8EE437D4E9}" type="datetimeFigureOut">
               <a:rPr lang="ru-RU" smtClean="0"/>
-              <a:t>30.03.2016</a:t>
+              <a:t>16.04.2020</a:t>
             </a:fld>
             <a:endParaRPr lang="ru-RU"/>
           </a:p>
@@ -1249,7 +1335,7 @@
           <a:p>
             <a:fld id="{8EDFBDB9-C9C6-4A59-84BD-8B8EE437D4E9}" type="datetimeFigureOut">
               <a:rPr lang="ru-RU" smtClean="0"/>
-              <a:t>30.03.2016</a:t>
+              <a:t>16.04.2020</a:t>
             </a:fld>
             <a:endParaRPr lang="ru-RU"/>
           </a:p>
@@ -1495,7 +1581,7 @@
           <a:p>
             <a:fld id="{8EDFBDB9-C9C6-4A59-84BD-8B8EE437D4E9}" type="datetimeFigureOut">
               <a:rPr lang="ru-RU" smtClean="0"/>
-              <a:t>30.03.2016</a:t>
+              <a:t>16.04.2020</a:t>
             </a:fld>
             <a:endParaRPr lang="ru-RU"/>
           </a:p>
@@ -1783,7 +1869,7 @@
           <a:p>
             <a:fld id="{8EDFBDB9-C9C6-4A59-84BD-8B8EE437D4E9}" type="datetimeFigureOut">
               <a:rPr lang="ru-RU" smtClean="0"/>
-              <a:t>30.03.2016</a:t>
+              <a:t>16.04.2020</a:t>
             </a:fld>
             <a:endParaRPr lang="ru-RU"/>
           </a:p>
@@ -2205,7 +2291,7 @@
           <a:p>
             <a:fld id="{8EDFBDB9-C9C6-4A59-84BD-8B8EE437D4E9}" type="datetimeFigureOut">
               <a:rPr lang="ru-RU" smtClean="0"/>
-              <a:t>30.03.2016</a:t>
+              <a:t>16.04.2020</a:t>
             </a:fld>
             <a:endParaRPr lang="ru-RU"/>
           </a:p>
@@ -2323,7 +2409,7 @@
           <a:p>
             <a:fld id="{8EDFBDB9-C9C6-4A59-84BD-8B8EE437D4E9}" type="datetimeFigureOut">
               <a:rPr lang="ru-RU" smtClean="0"/>
-              <a:t>30.03.2016</a:t>
+              <a:t>16.04.2020</a:t>
             </a:fld>
             <a:endParaRPr lang="ru-RU"/>
           </a:p>
@@ -2425,7 +2511,7 @@
           <a:p>
             <a:fld id="{8EDFBDB9-C9C6-4A59-84BD-8B8EE437D4E9}" type="datetimeFigureOut">
               <a:rPr lang="ru-RU" smtClean="0"/>
-              <a:t>30.03.2016</a:t>
+              <a:t>16.04.2020</a:t>
             </a:fld>
             <a:endParaRPr lang="ru-RU"/>
           </a:p>
@@ -2702,7 +2788,7 @@
           <a:p>
             <a:fld id="{8EDFBDB9-C9C6-4A59-84BD-8B8EE437D4E9}" type="datetimeFigureOut">
               <a:rPr lang="ru-RU" smtClean="0"/>
-              <a:t>30.03.2016</a:t>
+              <a:t>16.04.2020</a:t>
             </a:fld>
             <a:endParaRPr lang="ru-RU"/>
           </a:p>
@@ -2955,7 +3041,7 @@
           <a:p>
             <a:fld id="{8EDFBDB9-C9C6-4A59-84BD-8B8EE437D4E9}" type="datetimeFigureOut">
               <a:rPr lang="ru-RU" smtClean="0"/>
-              <a:t>30.03.2016</a:t>
+              <a:t>16.04.2020</a:t>
             </a:fld>
             <a:endParaRPr lang="ru-RU"/>
           </a:p>
@@ -3168,7 +3254,7 @@
           <a:p>
             <a:fld id="{8EDFBDB9-C9C6-4A59-84BD-8B8EE437D4E9}" type="datetimeFigureOut">
               <a:rPr lang="ru-RU" smtClean="0"/>
-              <a:t>30.03.2016</a:t>
+              <a:t>16.04.2020</a:t>
             </a:fld>
             <a:endParaRPr lang="ru-RU"/>
           </a:p>
@@ -4917,6 +5003,1403 @@
       </p:grpSpPr>
       <p:sp>
         <p:nvSpPr>
+          <p:cNvPr id="5" name="Заголовок 4"/>
+          <p:cNvSpPr>
+            <a:spLocks noGrp="1"/>
+          </p:cNvSpPr>
+          <p:nvPr>
+            <p:ph type="title"/>
+          </p:nvPr>
+        </p:nvSpPr>
+        <p:spPr/>
+        <p:txBody>
+          <a:bodyPr>
+            <a:normAutofit fontScale="90000"/>
+          </a:bodyPr>
+          <a:lstStyle/>
+          <a:p>
+            <a:r>
+              <a:rPr lang="en-US" dirty="0" smtClean="0"/>
+              <a:t>1. </a:t>
+            </a:r>
+            <a:r>
+              <a:rPr lang="ru-RU" dirty="0" smtClean="0"/>
+              <a:t>Укажите корректны</a:t>
+            </a:r>
+            <a:r>
+              <a:rPr lang="ru-RU" dirty="0"/>
+              <a:t>е</a:t>
+            </a:r>
+            <a:r>
+              <a:rPr lang="ru-RU" dirty="0" smtClean="0"/>
+              <a:t> способы перегрузки оператора </a:t>
+            </a:r>
+            <a:r>
+              <a:rPr lang="en-US" dirty="0" smtClean="0"/>
+              <a:t>+</a:t>
+            </a:r>
+            <a:endParaRPr lang="ru-RU" dirty="0"/>
+          </a:p>
+        </p:txBody>
+      </p:sp>
+      <p:sp>
+        <p:nvSpPr>
+          <p:cNvPr id="7" name="Прямоугольник 6"/>
+          <p:cNvSpPr/>
+          <p:nvPr/>
+        </p:nvSpPr>
+        <p:spPr>
+          <a:xfrm>
+            <a:off x="-12837" y="1556792"/>
+            <a:ext cx="9144000" cy="1384995"/>
+          </a:xfrm>
+          <a:prstGeom prst="rect">
+            <a:avLst/>
+          </a:prstGeom>
+        </p:spPr>
+        <p:txBody>
+          <a:bodyPr wrap="square">
+            <a:spAutoFit/>
+          </a:bodyPr>
+          <a:lstStyle/>
+          <a:p>
+            <a:pPr defTabSz="180975"/>
+            <a:r>
+              <a:rPr lang="en-US" sz="1400" b="1" dirty="0">
+                <a:latin typeface="Courier New" pitchFamily="49" charset="0"/>
+                <a:cs typeface="Courier New" pitchFamily="49" charset="0"/>
+              </a:rPr>
+              <a:t>class CVector3D</a:t>
+            </a:r>
+          </a:p>
+          <a:p>
+            <a:pPr defTabSz="180975"/>
+            <a:r>
+              <a:rPr lang="ru-RU" sz="1400" b="1" dirty="0">
+                <a:latin typeface="Courier New" pitchFamily="49" charset="0"/>
+                <a:cs typeface="Courier New" pitchFamily="49" charset="0"/>
+              </a:rPr>
+              <a:t>{</a:t>
+            </a:r>
+          </a:p>
+          <a:p>
+            <a:pPr defTabSz="180975"/>
+            <a:r>
+              <a:rPr lang="en-US" sz="1400" b="1" dirty="0">
+                <a:latin typeface="Courier New" pitchFamily="49" charset="0"/>
+                <a:cs typeface="Courier New" pitchFamily="49" charset="0"/>
+              </a:rPr>
+              <a:t>public</a:t>
+            </a:r>
+            <a:r>
+              <a:rPr lang="en-US" sz="1400" b="1" dirty="0" smtClean="0">
+                <a:latin typeface="Courier New" pitchFamily="49" charset="0"/>
+                <a:cs typeface="Courier New" pitchFamily="49" charset="0"/>
+              </a:rPr>
+              <a:t>:</a:t>
+            </a:r>
+            <a:endParaRPr lang="ru-RU" sz="1400" b="1" dirty="0" smtClean="0">
+              <a:latin typeface="Courier New" pitchFamily="49" charset="0"/>
+              <a:cs typeface="Courier New" pitchFamily="49" charset="0"/>
+            </a:endParaRPr>
+          </a:p>
+          <a:p>
+            <a:pPr defTabSz="180975"/>
+            <a:r>
+              <a:rPr lang="ru-RU" sz="1400" b="1" dirty="0">
+                <a:latin typeface="Courier New" pitchFamily="49" charset="0"/>
+                <a:cs typeface="Courier New" pitchFamily="49" charset="0"/>
+              </a:rPr>
+              <a:t>	</a:t>
+            </a:r>
+            <a:r>
+              <a:rPr lang="fr-FR" sz="1400" b="1" dirty="0">
+                <a:latin typeface="Courier New" pitchFamily="49" charset="0"/>
+                <a:cs typeface="Courier New" pitchFamily="49" charset="0"/>
+              </a:rPr>
+              <a:t>CVector3D(double x0, double y0, double z0):x(x0), y(y0), z(z0){}</a:t>
+            </a:r>
+            <a:endParaRPr lang="en-US" sz="1400" b="1" dirty="0">
+              <a:latin typeface="Courier New" pitchFamily="49" charset="0"/>
+              <a:cs typeface="Courier New" pitchFamily="49" charset="0"/>
+            </a:endParaRPr>
+          </a:p>
+          <a:p>
+            <a:pPr defTabSz="180975"/>
+            <a:r>
+              <a:rPr lang="ru-RU" sz="1400" b="1" dirty="0" smtClean="0">
+                <a:latin typeface="Courier New" pitchFamily="49" charset="0"/>
+                <a:cs typeface="Courier New" pitchFamily="49" charset="0"/>
+              </a:rPr>
+              <a:t>	</a:t>
+            </a:r>
+            <a:r>
+              <a:rPr lang="en-US" sz="1400" b="1" dirty="0" smtClean="0">
+                <a:latin typeface="Courier New" pitchFamily="49" charset="0"/>
+                <a:cs typeface="Courier New" pitchFamily="49" charset="0"/>
+              </a:rPr>
+              <a:t>double </a:t>
+            </a:r>
+            <a:r>
+              <a:rPr lang="en-US" sz="1400" b="1" dirty="0">
+                <a:latin typeface="Courier New" pitchFamily="49" charset="0"/>
+                <a:cs typeface="Courier New" pitchFamily="49" charset="0"/>
+              </a:rPr>
+              <a:t>x, y, z;</a:t>
+            </a:r>
+          </a:p>
+          <a:p>
+            <a:pPr defTabSz="180975"/>
+            <a:r>
+              <a:rPr lang="ru-RU" sz="1400" b="1" dirty="0">
+                <a:latin typeface="Courier New" pitchFamily="49" charset="0"/>
+                <a:cs typeface="Courier New" pitchFamily="49" charset="0"/>
+              </a:rPr>
+              <a:t>};</a:t>
+            </a:r>
+          </a:p>
+        </p:txBody>
+      </p:sp>
+      <p:grpSp>
+        <p:nvGrpSpPr>
+          <p:cNvPr id="20" name="Группа 19"/>
+          <p:cNvGrpSpPr/>
+          <p:nvPr/>
+        </p:nvGrpSpPr>
+        <p:grpSpPr>
+          <a:xfrm>
+            <a:off x="7864" y="3085803"/>
+            <a:ext cx="4348112" cy="1615827"/>
+            <a:chOff x="7864" y="3085803"/>
+            <a:chExt cx="4348112" cy="1615827"/>
+          </a:xfrm>
+        </p:grpSpPr>
+        <p:sp>
+          <p:nvSpPr>
+            <p:cNvPr id="9" name="Прямоугольник 8"/>
+            <p:cNvSpPr/>
+            <p:nvPr/>
+          </p:nvSpPr>
+          <p:spPr>
+            <a:xfrm>
+              <a:off x="7864" y="3085803"/>
+              <a:ext cx="4348112" cy="1615827"/>
+            </a:xfrm>
+            <a:prstGeom prst="rect">
+              <a:avLst/>
+            </a:prstGeom>
+            <a:ln>
+              <a:solidFill>
+                <a:srgbClr val="00B050"/>
+              </a:solidFill>
+            </a:ln>
+          </p:spPr>
+          <p:style>
+            <a:lnRef idx="2">
+              <a:schemeClr val="dk1"/>
+            </a:lnRef>
+            <a:fillRef idx="1">
+              <a:schemeClr val="lt1"/>
+            </a:fillRef>
+            <a:effectRef idx="0">
+              <a:schemeClr val="dk1"/>
+            </a:effectRef>
+            <a:fontRef idx="minor">
+              <a:schemeClr val="dk1"/>
+            </a:fontRef>
+          </p:style>
+          <p:txBody>
+            <a:bodyPr wrap="square">
+              <a:spAutoFit/>
+            </a:bodyPr>
+            <a:lstStyle/>
+            <a:p>
+              <a:pPr defTabSz="180975"/>
+              <a:r>
+                <a:rPr lang="en-US" sz="1100" b="1" dirty="0">
+                  <a:latin typeface="Courier New" pitchFamily="49" charset="0"/>
+                  <a:cs typeface="Courier New" pitchFamily="49" charset="0"/>
+                </a:rPr>
+                <a:t>class CVector3D</a:t>
+              </a:r>
+            </a:p>
+            <a:p>
+              <a:pPr defTabSz="180975"/>
+              <a:r>
+                <a:rPr lang="ru-RU" sz="1100" b="1" dirty="0">
+                  <a:latin typeface="Courier New" pitchFamily="49" charset="0"/>
+                  <a:cs typeface="Courier New" pitchFamily="49" charset="0"/>
+                </a:rPr>
+                <a:t>{</a:t>
+              </a:r>
+            </a:p>
+            <a:p>
+              <a:pPr defTabSz="180975"/>
+              <a:r>
+                <a:rPr lang="en-US" sz="1100" b="1" dirty="0">
+                  <a:latin typeface="Courier New" pitchFamily="49" charset="0"/>
+                  <a:cs typeface="Courier New" pitchFamily="49" charset="0"/>
+                </a:rPr>
+                <a:t>public:</a:t>
+              </a:r>
+            </a:p>
+            <a:p>
+              <a:pPr defTabSz="180975"/>
+              <a:r>
+                <a:rPr lang="en-US" sz="1100" b="1" dirty="0" smtClean="0">
+                  <a:latin typeface="Courier New" pitchFamily="49" charset="0"/>
+                  <a:cs typeface="Courier New" pitchFamily="49" charset="0"/>
+                </a:rPr>
+                <a:t>	…</a:t>
+              </a:r>
+              <a:endParaRPr lang="ru-RU" sz="1100" b="1" dirty="0">
+                <a:latin typeface="Courier New" pitchFamily="49" charset="0"/>
+                <a:cs typeface="Courier New" pitchFamily="49" charset="0"/>
+              </a:endParaRPr>
+            </a:p>
+            <a:p>
+              <a:pPr defTabSz="180975"/>
+              <a:r>
+                <a:rPr lang="en-US" sz="1100" b="1" dirty="0" smtClean="0">
+                  <a:latin typeface="Courier New" pitchFamily="49" charset="0"/>
+                  <a:cs typeface="Courier New" pitchFamily="49" charset="0"/>
+                </a:rPr>
+                <a:t>	CVector3D </a:t>
+              </a:r>
+              <a:r>
+                <a:rPr lang="en-US" sz="1100" b="1" dirty="0">
+                  <a:latin typeface="Courier New" pitchFamily="49" charset="0"/>
+                  <a:cs typeface="Courier New" pitchFamily="49" charset="0"/>
+                </a:rPr>
+                <a:t>operator+(CVector3D </a:t>
+              </a:r>
+              <a:r>
+                <a:rPr lang="en-US" sz="1100" b="1" dirty="0" err="1">
+                  <a:latin typeface="Courier New" pitchFamily="49" charset="0"/>
+                  <a:cs typeface="Courier New" pitchFamily="49" charset="0"/>
+                </a:rPr>
+                <a:t>const</a:t>
+              </a:r>
+              <a:r>
+                <a:rPr lang="en-US" sz="1100" b="1" dirty="0">
+                  <a:latin typeface="Courier New" pitchFamily="49" charset="0"/>
+                  <a:cs typeface="Courier New" pitchFamily="49" charset="0"/>
+                </a:rPr>
+                <a:t> &amp; v)</a:t>
+              </a:r>
+              <a:r>
+                <a:rPr lang="en-US" sz="1100" b="1" dirty="0" err="1">
+                  <a:latin typeface="Courier New" pitchFamily="49" charset="0"/>
+                  <a:cs typeface="Courier New" pitchFamily="49" charset="0"/>
+                </a:rPr>
+                <a:t>const</a:t>
+              </a:r>
+              <a:endParaRPr lang="en-US" sz="1100" b="1" dirty="0">
+                <a:latin typeface="Courier New" pitchFamily="49" charset="0"/>
+                <a:cs typeface="Courier New" pitchFamily="49" charset="0"/>
+              </a:endParaRPr>
+            </a:p>
+            <a:p>
+              <a:pPr defTabSz="180975"/>
+              <a:r>
+                <a:rPr lang="en-US" sz="1100" b="1" dirty="0" smtClean="0">
+                  <a:latin typeface="Courier New" pitchFamily="49" charset="0"/>
+                  <a:cs typeface="Courier New" pitchFamily="49" charset="0"/>
+                </a:rPr>
+                <a:t>	</a:t>
+              </a:r>
+              <a:r>
+                <a:rPr lang="ru-RU" sz="1100" b="1" dirty="0" smtClean="0">
+                  <a:latin typeface="Courier New" pitchFamily="49" charset="0"/>
+                  <a:cs typeface="Courier New" pitchFamily="49" charset="0"/>
+                </a:rPr>
+                <a:t>{</a:t>
+              </a:r>
+              <a:endParaRPr lang="ru-RU" sz="1100" b="1" dirty="0">
+                <a:latin typeface="Courier New" pitchFamily="49" charset="0"/>
+                <a:cs typeface="Courier New" pitchFamily="49" charset="0"/>
+              </a:endParaRPr>
+            </a:p>
+            <a:p>
+              <a:pPr defTabSz="180975"/>
+              <a:r>
+                <a:rPr lang="en-US" sz="1100" b="1" dirty="0" smtClean="0">
+                  <a:latin typeface="Courier New" pitchFamily="49" charset="0"/>
+                  <a:cs typeface="Courier New" pitchFamily="49" charset="0"/>
+                </a:rPr>
+                <a:t>		return </a:t>
+              </a:r>
+              <a:r>
+                <a:rPr lang="en-US" sz="1100" b="1" dirty="0">
+                  <a:latin typeface="Courier New" pitchFamily="49" charset="0"/>
+                  <a:cs typeface="Courier New" pitchFamily="49" charset="0"/>
+                </a:rPr>
+                <a:t>CVector3D(x + </a:t>
+              </a:r>
+              <a:r>
+                <a:rPr lang="en-US" sz="1100" b="1" dirty="0" err="1">
+                  <a:latin typeface="Courier New" pitchFamily="49" charset="0"/>
+                  <a:cs typeface="Courier New" pitchFamily="49" charset="0"/>
+                </a:rPr>
+                <a:t>v.x</a:t>
+              </a:r>
+              <a:r>
+                <a:rPr lang="en-US" sz="1100" b="1" dirty="0">
+                  <a:latin typeface="Courier New" pitchFamily="49" charset="0"/>
+                  <a:cs typeface="Courier New" pitchFamily="49" charset="0"/>
+                </a:rPr>
+                <a:t>, y + </a:t>
+              </a:r>
+              <a:r>
+                <a:rPr lang="en-US" sz="1100" b="1" dirty="0" err="1">
+                  <a:latin typeface="Courier New" pitchFamily="49" charset="0"/>
+                  <a:cs typeface="Courier New" pitchFamily="49" charset="0"/>
+                </a:rPr>
+                <a:t>v.y</a:t>
+              </a:r>
+              <a:r>
+                <a:rPr lang="en-US" sz="1100" b="1" dirty="0">
+                  <a:latin typeface="Courier New" pitchFamily="49" charset="0"/>
+                  <a:cs typeface="Courier New" pitchFamily="49" charset="0"/>
+                </a:rPr>
+                <a:t>, z + </a:t>
+              </a:r>
+              <a:r>
+                <a:rPr lang="en-US" sz="1100" b="1" dirty="0" err="1">
+                  <a:latin typeface="Courier New" pitchFamily="49" charset="0"/>
+                  <a:cs typeface="Courier New" pitchFamily="49" charset="0"/>
+                </a:rPr>
+                <a:t>v.z</a:t>
+              </a:r>
+              <a:r>
+                <a:rPr lang="en-US" sz="1100" b="1" dirty="0">
+                  <a:latin typeface="Courier New" pitchFamily="49" charset="0"/>
+                  <a:cs typeface="Courier New" pitchFamily="49" charset="0"/>
+                </a:rPr>
+                <a:t>);</a:t>
+              </a:r>
+            </a:p>
+            <a:p>
+              <a:pPr defTabSz="180975"/>
+              <a:r>
+                <a:rPr lang="en-US" sz="1100" b="1" dirty="0" smtClean="0">
+                  <a:latin typeface="Courier New" pitchFamily="49" charset="0"/>
+                  <a:cs typeface="Courier New" pitchFamily="49" charset="0"/>
+                </a:rPr>
+                <a:t>	</a:t>
+              </a:r>
+              <a:r>
+                <a:rPr lang="ru-RU" sz="1100" b="1" dirty="0" smtClean="0">
+                  <a:latin typeface="Courier New" pitchFamily="49" charset="0"/>
+                  <a:cs typeface="Courier New" pitchFamily="49" charset="0"/>
+                </a:rPr>
+                <a:t>}</a:t>
+              </a:r>
+              <a:endParaRPr lang="ru-RU" sz="1100" b="1" dirty="0">
+                <a:latin typeface="Courier New" pitchFamily="49" charset="0"/>
+                <a:cs typeface="Courier New" pitchFamily="49" charset="0"/>
+              </a:endParaRPr>
+            </a:p>
+            <a:p>
+              <a:pPr defTabSz="180975"/>
+              <a:r>
+                <a:rPr lang="ru-RU" sz="1100" b="1" dirty="0" smtClean="0">
+                  <a:latin typeface="Courier New" pitchFamily="49" charset="0"/>
+                  <a:cs typeface="Courier New" pitchFamily="49" charset="0"/>
+                </a:rPr>
+                <a:t>};</a:t>
+              </a:r>
+              <a:endParaRPr lang="ru-RU" sz="1100" b="1" dirty="0">
+                <a:latin typeface="Courier New" pitchFamily="49" charset="0"/>
+                <a:cs typeface="Courier New" pitchFamily="49" charset="0"/>
+              </a:endParaRPr>
+            </a:p>
+          </p:txBody>
+        </p:sp>
+        <p:sp>
+          <p:nvSpPr>
+            <p:cNvPr id="13" name="TextBox 12"/>
+            <p:cNvSpPr txBox="1"/>
+            <p:nvPr/>
+          </p:nvSpPr>
+          <p:spPr>
+            <a:xfrm>
+              <a:off x="4067944" y="3085803"/>
+              <a:ext cx="288032" cy="369332"/>
+            </a:xfrm>
+            <a:prstGeom prst="rect">
+              <a:avLst/>
+            </a:prstGeom>
+            <a:noFill/>
+            <a:ln>
+              <a:solidFill>
+                <a:srgbClr val="00B050"/>
+              </a:solidFill>
+            </a:ln>
+          </p:spPr>
+          <p:style>
+            <a:lnRef idx="2">
+              <a:schemeClr val="dk1"/>
+            </a:lnRef>
+            <a:fillRef idx="1">
+              <a:schemeClr val="lt1"/>
+            </a:fillRef>
+            <a:effectRef idx="0">
+              <a:schemeClr val="dk1"/>
+            </a:effectRef>
+            <a:fontRef idx="minor">
+              <a:schemeClr val="dk1"/>
+            </a:fontRef>
+          </p:style>
+          <p:txBody>
+            <a:bodyPr wrap="square" rtlCol="0">
+              <a:spAutoFit/>
+            </a:bodyPr>
+            <a:lstStyle/>
+            <a:p>
+              <a:pPr algn="r"/>
+              <a:r>
+                <a:rPr lang="en-US" dirty="0" smtClean="0"/>
+                <a:t>A</a:t>
+              </a:r>
+              <a:endParaRPr lang="ru-RU" dirty="0"/>
+            </a:p>
+          </p:txBody>
+        </p:sp>
+      </p:grpSp>
+      <p:grpSp>
+        <p:nvGrpSpPr>
+          <p:cNvPr id="19" name="Группа 18"/>
+          <p:cNvGrpSpPr/>
+          <p:nvPr/>
+        </p:nvGrpSpPr>
+        <p:grpSpPr>
+          <a:xfrm>
+            <a:off x="-12837" y="4884256"/>
+            <a:ext cx="5160901" cy="1785104"/>
+            <a:chOff x="4509815" y="3085802"/>
+            <a:chExt cx="4987899" cy="1785104"/>
+          </a:xfrm>
+        </p:grpSpPr>
+        <p:sp>
+          <p:nvSpPr>
+            <p:cNvPr id="12" name="Прямоугольник 11"/>
+            <p:cNvSpPr/>
+            <p:nvPr/>
+          </p:nvSpPr>
+          <p:spPr>
+            <a:xfrm>
+              <a:off x="4509815" y="3085802"/>
+              <a:ext cx="4987899" cy="1785104"/>
+            </a:xfrm>
+            <a:prstGeom prst="rect">
+              <a:avLst/>
+            </a:prstGeom>
+            <a:ln>
+              <a:solidFill>
+                <a:srgbClr val="00B050"/>
+              </a:solidFill>
+            </a:ln>
+          </p:spPr>
+          <p:style>
+            <a:lnRef idx="2">
+              <a:schemeClr val="dk1"/>
+            </a:lnRef>
+            <a:fillRef idx="1">
+              <a:schemeClr val="lt1"/>
+            </a:fillRef>
+            <a:effectRef idx="0">
+              <a:schemeClr val="dk1"/>
+            </a:effectRef>
+            <a:fontRef idx="minor">
+              <a:schemeClr val="dk1"/>
+            </a:fontRef>
+          </p:style>
+          <p:txBody>
+            <a:bodyPr wrap="square">
+              <a:spAutoFit/>
+            </a:bodyPr>
+            <a:lstStyle/>
+            <a:p>
+              <a:pPr defTabSz="180975"/>
+              <a:r>
+                <a:rPr lang="en-US" sz="1100" b="1" dirty="0">
+                  <a:latin typeface="Courier New" pitchFamily="49" charset="0"/>
+                  <a:cs typeface="Courier New" pitchFamily="49" charset="0"/>
+                </a:rPr>
+                <a:t>class CVector3D</a:t>
+              </a:r>
+            </a:p>
+            <a:p>
+              <a:pPr defTabSz="180975"/>
+              <a:r>
+                <a:rPr lang="ru-RU" sz="1100" b="1" dirty="0">
+                  <a:latin typeface="Courier New" pitchFamily="49" charset="0"/>
+                  <a:cs typeface="Courier New" pitchFamily="49" charset="0"/>
+                </a:rPr>
+                <a:t>{</a:t>
+              </a:r>
+            </a:p>
+            <a:p>
+              <a:pPr defTabSz="180975"/>
+              <a:r>
+                <a:rPr lang="en-US" sz="1100" b="1" dirty="0" smtClean="0">
+                  <a:latin typeface="Courier New" pitchFamily="49" charset="0"/>
+                  <a:cs typeface="Courier New" pitchFamily="49" charset="0"/>
+                </a:rPr>
+                <a:t>	…</a:t>
+              </a:r>
+              <a:endParaRPr lang="ru-RU" sz="1100" b="1" dirty="0" smtClean="0">
+                <a:latin typeface="Courier New" pitchFamily="49" charset="0"/>
+                <a:cs typeface="Courier New" pitchFamily="49" charset="0"/>
+              </a:endParaRPr>
+            </a:p>
+            <a:p>
+              <a:pPr defTabSz="180975"/>
+              <a:r>
+                <a:rPr lang="ru-RU" sz="1100" b="1" dirty="0" smtClean="0">
+                  <a:latin typeface="Courier New" pitchFamily="49" charset="0"/>
+                  <a:cs typeface="Courier New" pitchFamily="49" charset="0"/>
+                </a:rPr>
+                <a:t>};</a:t>
+              </a:r>
+              <a:endParaRPr lang="en-US" sz="1100" b="1" dirty="0" smtClean="0">
+                <a:latin typeface="Courier New" pitchFamily="49" charset="0"/>
+                <a:cs typeface="Courier New" pitchFamily="49" charset="0"/>
+              </a:endParaRPr>
+            </a:p>
+            <a:p>
+              <a:pPr defTabSz="180975"/>
+              <a:endParaRPr lang="en-US" sz="1100" b="1" dirty="0" smtClean="0">
+                <a:latin typeface="Courier New" pitchFamily="49" charset="0"/>
+                <a:cs typeface="Courier New" pitchFamily="49" charset="0"/>
+              </a:endParaRPr>
+            </a:p>
+            <a:p>
+              <a:pPr defTabSz="180975"/>
+              <a:r>
+                <a:rPr lang="en-US" sz="1100" b="1" dirty="0" smtClean="0">
+                  <a:latin typeface="Courier New" pitchFamily="49" charset="0"/>
+                  <a:cs typeface="Courier New" pitchFamily="49" charset="0"/>
+                </a:rPr>
+                <a:t>CVector3D </a:t>
+              </a:r>
+              <a:r>
+                <a:rPr lang="en-US" sz="1100" b="1" dirty="0" err="1" smtClean="0">
+                  <a:latin typeface="Courier New" pitchFamily="49" charset="0"/>
+                  <a:cs typeface="Courier New" pitchFamily="49" charset="0"/>
+                </a:rPr>
+                <a:t>const</a:t>
+              </a:r>
+              <a:r>
+                <a:rPr lang="en-US" sz="1100" b="1" dirty="0" smtClean="0">
+                  <a:latin typeface="Courier New" pitchFamily="49" charset="0"/>
+                  <a:cs typeface="Courier New" pitchFamily="49" charset="0"/>
+                </a:rPr>
+                <a:t> operator+(</a:t>
+              </a:r>
+            </a:p>
+            <a:p>
+              <a:pPr defTabSz="180975"/>
+              <a:r>
+                <a:rPr lang="en-US" sz="1100" b="1" dirty="0">
+                  <a:latin typeface="Courier New" pitchFamily="49" charset="0"/>
+                  <a:cs typeface="Courier New" pitchFamily="49" charset="0"/>
+                </a:rPr>
+                <a:t>	</a:t>
+              </a:r>
+              <a:r>
+                <a:rPr lang="en-US" sz="1100" b="1" dirty="0" smtClean="0">
+                  <a:latin typeface="Courier New" pitchFamily="49" charset="0"/>
+                  <a:cs typeface="Courier New" pitchFamily="49" charset="0"/>
+                </a:rPr>
+                <a:t>CVector3D </a:t>
+              </a:r>
+              <a:r>
+                <a:rPr lang="en-US" sz="1100" b="1" dirty="0" err="1" smtClean="0">
+                  <a:latin typeface="Courier New" pitchFamily="49" charset="0"/>
+                  <a:cs typeface="Courier New" pitchFamily="49" charset="0"/>
+                </a:rPr>
+                <a:t>const</a:t>
+              </a:r>
+              <a:r>
+                <a:rPr lang="en-US" sz="1100" b="1" dirty="0" smtClean="0">
+                  <a:latin typeface="Courier New" pitchFamily="49" charset="0"/>
+                  <a:cs typeface="Courier New" pitchFamily="49" charset="0"/>
+                </a:rPr>
+                <a:t>&amp; v0, CVector3D </a:t>
+              </a:r>
+              <a:r>
+                <a:rPr lang="en-US" sz="1100" b="1" dirty="0" err="1" smtClean="0">
+                  <a:latin typeface="Courier New" pitchFamily="49" charset="0"/>
+                  <a:cs typeface="Courier New" pitchFamily="49" charset="0"/>
+                </a:rPr>
+                <a:t>const</a:t>
+              </a:r>
+              <a:r>
+                <a:rPr lang="en-US" sz="1100" b="1" dirty="0" smtClean="0">
+                  <a:latin typeface="Courier New" pitchFamily="49" charset="0"/>
+                  <a:cs typeface="Courier New" pitchFamily="49" charset="0"/>
+                </a:rPr>
+                <a:t>&amp; v1)</a:t>
+              </a:r>
+            </a:p>
+            <a:p>
+              <a:pPr defTabSz="180975"/>
+              <a:r>
+                <a:rPr lang="ru-RU" sz="1100" b="1" dirty="0" smtClean="0">
+                  <a:latin typeface="Courier New" pitchFamily="49" charset="0"/>
+                  <a:cs typeface="Courier New" pitchFamily="49" charset="0"/>
+                </a:rPr>
+                <a:t>{</a:t>
+              </a:r>
+            </a:p>
+            <a:p>
+              <a:pPr defTabSz="180975"/>
+              <a:r>
+                <a:rPr lang="en-US" sz="1100" b="1" dirty="0" smtClean="0">
+                  <a:latin typeface="Courier New" pitchFamily="49" charset="0"/>
+                  <a:cs typeface="Courier New" pitchFamily="49" charset="0"/>
+                </a:rPr>
+                <a:t>	return CVector3D(v0.x + v1.x, v0.y + v1.y, v0.z + v1.z);</a:t>
+              </a:r>
+            </a:p>
+            <a:p>
+              <a:pPr defTabSz="180975"/>
+              <a:r>
+                <a:rPr lang="ru-RU" sz="1100" b="1" dirty="0" smtClean="0">
+                  <a:latin typeface="Courier New" pitchFamily="49" charset="0"/>
+                  <a:cs typeface="Courier New" pitchFamily="49" charset="0"/>
+                </a:rPr>
+                <a:t>}</a:t>
+              </a:r>
+              <a:endParaRPr lang="ru-RU" sz="1100" b="1" dirty="0">
+                <a:latin typeface="Courier New" pitchFamily="49" charset="0"/>
+                <a:cs typeface="Courier New" pitchFamily="49" charset="0"/>
+              </a:endParaRPr>
+            </a:p>
+          </p:txBody>
+        </p:sp>
+        <p:sp>
+          <p:nvSpPr>
+            <p:cNvPr id="14" name="TextBox 13"/>
+            <p:cNvSpPr txBox="1"/>
+            <p:nvPr/>
+          </p:nvSpPr>
+          <p:spPr>
+            <a:xfrm>
+              <a:off x="9209682" y="3087524"/>
+              <a:ext cx="288032" cy="369332"/>
+            </a:xfrm>
+            <a:prstGeom prst="rect">
+              <a:avLst/>
+            </a:prstGeom>
+            <a:noFill/>
+            <a:ln>
+              <a:solidFill>
+                <a:srgbClr val="00B050"/>
+              </a:solidFill>
+            </a:ln>
+          </p:spPr>
+          <p:txBody>
+            <a:bodyPr wrap="square" rtlCol="0">
+              <a:spAutoFit/>
+            </a:bodyPr>
+            <a:lstStyle/>
+            <a:p>
+              <a:pPr algn="r"/>
+              <a:r>
+                <a:rPr lang="en-US" dirty="0" smtClean="0"/>
+                <a:t>C</a:t>
+              </a:r>
+              <a:endParaRPr lang="ru-RU" dirty="0"/>
+            </a:p>
+          </p:txBody>
+        </p:sp>
+      </p:grpSp>
+      <p:grpSp>
+        <p:nvGrpSpPr>
+          <p:cNvPr id="17" name="Группа 16"/>
+          <p:cNvGrpSpPr/>
+          <p:nvPr/>
+        </p:nvGrpSpPr>
+        <p:grpSpPr>
+          <a:xfrm>
+            <a:off x="5220072" y="4869160"/>
+            <a:ext cx="3902283" cy="1785104"/>
+            <a:chOff x="712248" y="5013176"/>
+            <a:chExt cx="3643728" cy="1785104"/>
+          </a:xfrm>
+        </p:grpSpPr>
+        <p:sp>
+          <p:nvSpPr>
+            <p:cNvPr id="10" name="Прямоугольник 9"/>
+            <p:cNvSpPr/>
+            <p:nvPr/>
+          </p:nvSpPr>
+          <p:spPr>
+            <a:xfrm>
+              <a:off x="712248" y="5013176"/>
+              <a:ext cx="3643727" cy="1785104"/>
+            </a:xfrm>
+            <a:prstGeom prst="rect">
+              <a:avLst/>
+            </a:prstGeom>
+            <a:ln>
+              <a:solidFill>
+                <a:srgbClr val="FF0000"/>
+              </a:solidFill>
+            </a:ln>
+          </p:spPr>
+          <p:style>
+            <a:lnRef idx="2">
+              <a:schemeClr val="dk1"/>
+            </a:lnRef>
+            <a:fillRef idx="1">
+              <a:schemeClr val="lt1"/>
+            </a:fillRef>
+            <a:effectRef idx="0">
+              <a:schemeClr val="dk1"/>
+            </a:effectRef>
+            <a:fontRef idx="minor">
+              <a:schemeClr val="dk1"/>
+            </a:fontRef>
+          </p:style>
+          <p:txBody>
+            <a:bodyPr wrap="square">
+              <a:spAutoFit/>
+            </a:bodyPr>
+            <a:lstStyle/>
+            <a:p>
+              <a:pPr defTabSz="180975"/>
+              <a:r>
+                <a:rPr lang="en-US" sz="1100" b="1" dirty="0">
+                  <a:latin typeface="Courier New" pitchFamily="49" charset="0"/>
+                  <a:cs typeface="Courier New" pitchFamily="49" charset="0"/>
+                </a:rPr>
+                <a:t>class CVector3D</a:t>
+              </a:r>
+            </a:p>
+            <a:p>
+              <a:pPr defTabSz="180975"/>
+              <a:r>
+                <a:rPr lang="ru-RU" sz="1100" b="1" dirty="0">
+                  <a:latin typeface="Courier New" pitchFamily="49" charset="0"/>
+                  <a:cs typeface="Courier New" pitchFamily="49" charset="0"/>
+                </a:rPr>
+                <a:t>{</a:t>
+              </a:r>
+            </a:p>
+            <a:p>
+              <a:pPr defTabSz="180975"/>
+              <a:r>
+                <a:rPr lang="en-US" sz="1100" b="1" dirty="0">
+                  <a:latin typeface="Courier New" pitchFamily="49" charset="0"/>
+                  <a:cs typeface="Courier New" pitchFamily="49" charset="0"/>
+                </a:rPr>
+                <a:t>public:</a:t>
+              </a:r>
+            </a:p>
+            <a:p>
+              <a:pPr defTabSz="180975"/>
+              <a:r>
+                <a:rPr lang="en-US" sz="1100" b="1" dirty="0" smtClean="0">
+                  <a:latin typeface="Courier New" pitchFamily="49" charset="0"/>
+                  <a:cs typeface="Courier New" pitchFamily="49" charset="0"/>
+                </a:rPr>
+                <a:t>	…</a:t>
+              </a:r>
+              <a:endParaRPr lang="ru-RU" sz="1100" b="1" dirty="0">
+                <a:latin typeface="Courier New" pitchFamily="49" charset="0"/>
+                <a:cs typeface="Courier New" pitchFamily="49" charset="0"/>
+              </a:endParaRPr>
+            </a:p>
+            <a:p>
+              <a:pPr defTabSz="180975"/>
+              <a:r>
+                <a:rPr lang="en-US" sz="1100" b="1" dirty="0" smtClean="0">
+                  <a:latin typeface="Courier New" pitchFamily="49" charset="0"/>
+                  <a:cs typeface="Courier New" pitchFamily="49" charset="0"/>
+                </a:rPr>
+                <a:t>	CVector3D &amp; operator</a:t>
+              </a:r>
+              <a:r>
+                <a:rPr lang="en-US" sz="1100" b="1" dirty="0">
+                  <a:latin typeface="Courier New" pitchFamily="49" charset="0"/>
+                  <a:cs typeface="Courier New" pitchFamily="49" charset="0"/>
+                </a:rPr>
+                <a:t>+(CVector3D </a:t>
+              </a:r>
+              <a:r>
+                <a:rPr lang="en-US" sz="1100" b="1" dirty="0" err="1">
+                  <a:latin typeface="Courier New" pitchFamily="49" charset="0"/>
+                  <a:cs typeface="Courier New" pitchFamily="49" charset="0"/>
+                </a:rPr>
+                <a:t>const</a:t>
+              </a:r>
+              <a:r>
+                <a:rPr lang="en-US" sz="1100" b="1" dirty="0">
+                  <a:latin typeface="Courier New" pitchFamily="49" charset="0"/>
+                  <a:cs typeface="Courier New" pitchFamily="49" charset="0"/>
+                </a:rPr>
+                <a:t> &amp; </a:t>
+              </a:r>
+              <a:r>
+                <a:rPr lang="en-US" sz="1100" b="1" dirty="0" smtClean="0">
+                  <a:latin typeface="Courier New" pitchFamily="49" charset="0"/>
+                  <a:cs typeface="Courier New" pitchFamily="49" charset="0"/>
+                </a:rPr>
+                <a:t>v)</a:t>
+              </a:r>
+              <a:endParaRPr lang="en-US" sz="1100" b="1" dirty="0">
+                <a:latin typeface="Courier New" pitchFamily="49" charset="0"/>
+                <a:cs typeface="Courier New" pitchFamily="49" charset="0"/>
+              </a:endParaRPr>
+            </a:p>
+            <a:p>
+              <a:pPr defTabSz="180975"/>
+              <a:r>
+                <a:rPr lang="en-US" sz="1100" b="1" dirty="0" smtClean="0">
+                  <a:latin typeface="Courier New" pitchFamily="49" charset="0"/>
+                  <a:cs typeface="Courier New" pitchFamily="49" charset="0"/>
+                </a:rPr>
+                <a:t>	</a:t>
+              </a:r>
+              <a:r>
+                <a:rPr lang="ru-RU" sz="1100" b="1" dirty="0" smtClean="0">
+                  <a:latin typeface="Courier New" pitchFamily="49" charset="0"/>
+                  <a:cs typeface="Courier New" pitchFamily="49" charset="0"/>
+                </a:rPr>
+                <a:t>{</a:t>
+              </a:r>
+              <a:endParaRPr lang="en-US" sz="1100" b="1" dirty="0" smtClean="0">
+                <a:latin typeface="Courier New" pitchFamily="49" charset="0"/>
+                <a:cs typeface="Courier New" pitchFamily="49" charset="0"/>
+              </a:endParaRPr>
+            </a:p>
+            <a:p>
+              <a:pPr defTabSz="180975"/>
+              <a:r>
+                <a:rPr lang="en-US" sz="1100" b="1" dirty="0">
+                  <a:latin typeface="Courier New" pitchFamily="49" charset="0"/>
+                  <a:cs typeface="Courier New" pitchFamily="49" charset="0"/>
+                </a:rPr>
+                <a:t>	</a:t>
+              </a:r>
+              <a:r>
+                <a:rPr lang="en-US" sz="1100" b="1" dirty="0" smtClean="0">
+                  <a:latin typeface="Courier New" pitchFamily="49" charset="0"/>
+                  <a:cs typeface="Courier New" pitchFamily="49" charset="0"/>
+                </a:rPr>
+                <a:t>	x += </a:t>
+              </a:r>
+              <a:r>
+                <a:rPr lang="en-US" sz="1100" b="1" dirty="0" err="1" smtClean="0">
+                  <a:latin typeface="Courier New" pitchFamily="49" charset="0"/>
+                  <a:cs typeface="Courier New" pitchFamily="49" charset="0"/>
+                </a:rPr>
+                <a:t>v.x</a:t>
+              </a:r>
+              <a:r>
+                <a:rPr lang="en-US" sz="1100" b="1" dirty="0" smtClean="0">
+                  <a:latin typeface="Courier New" pitchFamily="49" charset="0"/>
+                  <a:cs typeface="Courier New" pitchFamily="49" charset="0"/>
+                </a:rPr>
+                <a:t>;</a:t>
+              </a:r>
+              <a:r>
+                <a:rPr lang="en-US" sz="1100" b="1" dirty="0">
+                  <a:latin typeface="Courier New" pitchFamily="49" charset="0"/>
+                  <a:cs typeface="Courier New" pitchFamily="49" charset="0"/>
+                </a:rPr>
+                <a:t>	</a:t>
+              </a:r>
+              <a:r>
+                <a:rPr lang="en-US" sz="1100" b="1" dirty="0" smtClean="0">
+                  <a:latin typeface="Courier New" pitchFamily="49" charset="0"/>
+                  <a:cs typeface="Courier New" pitchFamily="49" charset="0"/>
+                </a:rPr>
+                <a:t>	y += </a:t>
+              </a:r>
+              <a:r>
+                <a:rPr lang="en-US" sz="1100" b="1" dirty="0" err="1" smtClean="0">
+                  <a:latin typeface="Courier New" pitchFamily="49" charset="0"/>
+                  <a:cs typeface="Courier New" pitchFamily="49" charset="0"/>
+                </a:rPr>
+                <a:t>v.y</a:t>
+              </a:r>
+              <a:r>
+                <a:rPr lang="en-US" sz="1100" b="1" dirty="0" smtClean="0">
+                  <a:latin typeface="Courier New" pitchFamily="49" charset="0"/>
+                  <a:cs typeface="Courier New" pitchFamily="49" charset="0"/>
+                </a:rPr>
+                <a:t>;</a:t>
+              </a:r>
+              <a:r>
+                <a:rPr lang="en-US" sz="1100" b="1" dirty="0">
+                  <a:latin typeface="Courier New" pitchFamily="49" charset="0"/>
+                  <a:cs typeface="Courier New" pitchFamily="49" charset="0"/>
+                </a:rPr>
+                <a:t>	</a:t>
+              </a:r>
+              <a:r>
+                <a:rPr lang="en-US" sz="1100" b="1" dirty="0" smtClean="0">
+                  <a:latin typeface="Courier New" pitchFamily="49" charset="0"/>
+                  <a:cs typeface="Courier New" pitchFamily="49" charset="0"/>
+                </a:rPr>
+                <a:t>	z += </a:t>
+              </a:r>
+              <a:r>
+                <a:rPr lang="en-US" sz="1100" b="1" dirty="0" err="1" smtClean="0">
+                  <a:latin typeface="Courier New" pitchFamily="49" charset="0"/>
+                  <a:cs typeface="Courier New" pitchFamily="49" charset="0"/>
+                </a:rPr>
+                <a:t>v.z</a:t>
+              </a:r>
+              <a:r>
+                <a:rPr lang="en-US" sz="1100" b="1" dirty="0" smtClean="0">
+                  <a:latin typeface="Courier New" pitchFamily="49" charset="0"/>
+                  <a:cs typeface="Courier New" pitchFamily="49" charset="0"/>
+                </a:rPr>
+                <a:t>;</a:t>
+              </a:r>
+            </a:p>
+            <a:p>
+              <a:pPr defTabSz="180975"/>
+              <a:r>
+                <a:rPr lang="en-US" sz="1100" b="1" dirty="0">
+                  <a:latin typeface="Courier New" pitchFamily="49" charset="0"/>
+                  <a:cs typeface="Courier New" pitchFamily="49" charset="0"/>
+                </a:rPr>
+                <a:t>	</a:t>
+              </a:r>
+              <a:r>
+                <a:rPr lang="en-US" sz="1100" b="1" dirty="0" smtClean="0">
+                  <a:latin typeface="Courier New" pitchFamily="49" charset="0"/>
+                  <a:cs typeface="Courier New" pitchFamily="49" charset="0"/>
+                </a:rPr>
+                <a:t>	return *this;</a:t>
+              </a:r>
+              <a:endParaRPr lang="ru-RU" sz="1100" b="1" dirty="0">
+                <a:latin typeface="Courier New" pitchFamily="49" charset="0"/>
+                <a:cs typeface="Courier New" pitchFamily="49" charset="0"/>
+              </a:endParaRPr>
+            </a:p>
+            <a:p>
+              <a:pPr defTabSz="180975"/>
+              <a:r>
+                <a:rPr lang="en-US" sz="1100" b="1" dirty="0" smtClean="0">
+                  <a:latin typeface="Courier New" pitchFamily="49" charset="0"/>
+                  <a:cs typeface="Courier New" pitchFamily="49" charset="0"/>
+                </a:rPr>
+                <a:t>	</a:t>
+              </a:r>
+              <a:r>
+                <a:rPr lang="ru-RU" sz="1100" b="1" dirty="0" smtClean="0">
+                  <a:latin typeface="Courier New" pitchFamily="49" charset="0"/>
+                  <a:cs typeface="Courier New" pitchFamily="49" charset="0"/>
+                </a:rPr>
+                <a:t>}</a:t>
+              </a:r>
+              <a:endParaRPr lang="ru-RU" sz="1100" b="1" dirty="0">
+                <a:latin typeface="Courier New" pitchFamily="49" charset="0"/>
+                <a:cs typeface="Courier New" pitchFamily="49" charset="0"/>
+              </a:endParaRPr>
+            </a:p>
+            <a:p>
+              <a:pPr defTabSz="180975"/>
+              <a:r>
+                <a:rPr lang="ru-RU" sz="1100" b="1" dirty="0" smtClean="0">
+                  <a:latin typeface="Courier New" pitchFamily="49" charset="0"/>
+                  <a:cs typeface="Courier New" pitchFamily="49" charset="0"/>
+                </a:rPr>
+                <a:t>};</a:t>
+              </a:r>
+              <a:endParaRPr lang="ru-RU" sz="1100" b="1" dirty="0">
+                <a:latin typeface="Courier New" pitchFamily="49" charset="0"/>
+                <a:cs typeface="Courier New" pitchFamily="49" charset="0"/>
+              </a:endParaRPr>
+            </a:p>
+          </p:txBody>
+        </p:sp>
+        <p:sp>
+          <p:nvSpPr>
+            <p:cNvPr id="15" name="TextBox 14"/>
+            <p:cNvSpPr txBox="1"/>
+            <p:nvPr/>
+          </p:nvSpPr>
+          <p:spPr>
+            <a:xfrm>
+              <a:off x="4067944" y="5023775"/>
+              <a:ext cx="288032" cy="369332"/>
+            </a:xfrm>
+            <a:prstGeom prst="rect">
+              <a:avLst/>
+            </a:prstGeom>
+            <a:noFill/>
+            <a:ln>
+              <a:solidFill>
+                <a:srgbClr val="FF0000"/>
+              </a:solidFill>
+            </a:ln>
+          </p:spPr>
+          <p:txBody>
+            <a:bodyPr wrap="square" rtlCol="0">
+              <a:spAutoFit/>
+            </a:bodyPr>
+            <a:lstStyle/>
+            <a:p>
+              <a:pPr algn="r"/>
+              <a:r>
+                <a:rPr lang="en-US" dirty="0" smtClean="0"/>
+                <a:t>D</a:t>
+              </a:r>
+              <a:endParaRPr lang="ru-RU" dirty="0"/>
+            </a:p>
+          </p:txBody>
+        </p:sp>
+      </p:grpSp>
+      <p:grpSp>
+        <p:nvGrpSpPr>
+          <p:cNvPr id="18" name="Группа 17"/>
+          <p:cNvGrpSpPr/>
+          <p:nvPr/>
+        </p:nvGrpSpPr>
+        <p:grpSpPr>
+          <a:xfrm>
+            <a:off x="4464494" y="3085803"/>
+            <a:ext cx="4670698" cy="1615827"/>
+            <a:chOff x="4473302" y="5013175"/>
+            <a:chExt cx="4670698" cy="1615827"/>
+          </a:xfrm>
+        </p:grpSpPr>
+        <p:sp>
+          <p:nvSpPr>
+            <p:cNvPr id="11" name="Прямоугольник 10"/>
+            <p:cNvSpPr/>
+            <p:nvPr/>
+          </p:nvSpPr>
+          <p:spPr>
+            <a:xfrm>
+              <a:off x="4473302" y="5013175"/>
+              <a:ext cx="4657861" cy="1615827"/>
+            </a:xfrm>
+            <a:prstGeom prst="rect">
+              <a:avLst/>
+            </a:prstGeom>
+            <a:ln>
+              <a:solidFill>
+                <a:srgbClr val="00B050"/>
+              </a:solidFill>
+            </a:ln>
+          </p:spPr>
+          <p:style>
+            <a:lnRef idx="2">
+              <a:schemeClr val="dk1"/>
+            </a:lnRef>
+            <a:fillRef idx="1">
+              <a:schemeClr val="lt1"/>
+            </a:fillRef>
+            <a:effectRef idx="0">
+              <a:schemeClr val="dk1"/>
+            </a:effectRef>
+            <a:fontRef idx="minor">
+              <a:schemeClr val="dk1"/>
+            </a:fontRef>
+          </p:style>
+          <p:txBody>
+            <a:bodyPr wrap="square">
+              <a:spAutoFit/>
+            </a:bodyPr>
+            <a:lstStyle/>
+            <a:p>
+              <a:pPr defTabSz="180975"/>
+              <a:r>
+                <a:rPr lang="en-US" sz="1100" b="1" dirty="0">
+                  <a:latin typeface="Courier New" pitchFamily="49" charset="0"/>
+                  <a:cs typeface="Courier New" pitchFamily="49" charset="0"/>
+                </a:rPr>
+                <a:t>class CVector3D</a:t>
+              </a:r>
+            </a:p>
+            <a:p>
+              <a:pPr defTabSz="180975"/>
+              <a:r>
+                <a:rPr lang="ru-RU" sz="1100" b="1" dirty="0">
+                  <a:latin typeface="Courier New" pitchFamily="49" charset="0"/>
+                  <a:cs typeface="Courier New" pitchFamily="49" charset="0"/>
+                </a:rPr>
+                <a:t>{</a:t>
+              </a:r>
+            </a:p>
+            <a:p>
+              <a:pPr defTabSz="180975"/>
+              <a:r>
+                <a:rPr lang="en-US" sz="1100" b="1" dirty="0">
+                  <a:latin typeface="Courier New" pitchFamily="49" charset="0"/>
+                  <a:cs typeface="Courier New" pitchFamily="49" charset="0"/>
+                </a:rPr>
+                <a:t>public:</a:t>
+              </a:r>
+            </a:p>
+            <a:p>
+              <a:pPr defTabSz="180975"/>
+              <a:r>
+                <a:rPr lang="en-US" sz="1100" b="1" dirty="0" smtClean="0">
+                  <a:latin typeface="Courier New" pitchFamily="49" charset="0"/>
+                  <a:cs typeface="Courier New" pitchFamily="49" charset="0"/>
+                </a:rPr>
+                <a:t>	…</a:t>
+              </a:r>
+              <a:endParaRPr lang="ru-RU" sz="1100" b="1" dirty="0">
+                <a:latin typeface="Courier New" pitchFamily="49" charset="0"/>
+                <a:cs typeface="Courier New" pitchFamily="49" charset="0"/>
+              </a:endParaRPr>
+            </a:p>
+            <a:p>
+              <a:pPr defTabSz="180975"/>
+              <a:r>
+                <a:rPr lang="en-US" sz="1100" b="1" dirty="0" smtClean="0">
+                  <a:latin typeface="Courier New" pitchFamily="49" charset="0"/>
+                  <a:cs typeface="Courier New" pitchFamily="49" charset="0"/>
+                </a:rPr>
+                <a:t>	CVector3D </a:t>
+              </a:r>
+              <a:r>
+                <a:rPr lang="en-US" sz="1100" b="1" dirty="0" err="1" smtClean="0">
+                  <a:latin typeface="Courier New" pitchFamily="49" charset="0"/>
+                  <a:cs typeface="Courier New" pitchFamily="49" charset="0"/>
+                </a:rPr>
+                <a:t>const</a:t>
+              </a:r>
+              <a:r>
+                <a:rPr lang="en-US" sz="1100" b="1" dirty="0" smtClean="0">
+                  <a:latin typeface="Courier New" pitchFamily="49" charset="0"/>
+                  <a:cs typeface="Courier New" pitchFamily="49" charset="0"/>
+                </a:rPr>
+                <a:t> </a:t>
+              </a:r>
+              <a:r>
+                <a:rPr lang="en-US" sz="1100" b="1" dirty="0">
+                  <a:latin typeface="Courier New" pitchFamily="49" charset="0"/>
+                  <a:cs typeface="Courier New" pitchFamily="49" charset="0"/>
+                </a:rPr>
+                <a:t>operator+(CVector3D </a:t>
+              </a:r>
+              <a:r>
+                <a:rPr lang="en-US" sz="1100" b="1" dirty="0" err="1">
+                  <a:latin typeface="Courier New" pitchFamily="49" charset="0"/>
+                  <a:cs typeface="Courier New" pitchFamily="49" charset="0"/>
+                </a:rPr>
+                <a:t>const</a:t>
+              </a:r>
+              <a:r>
+                <a:rPr lang="en-US" sz="1100" b="1" dirty="0">
+                  <a:latin typeface="Courier New" pitchFamily="49" charset="0"/>
+                  <a:cs typeface="Courier New" pitchFamily="49" charset="0"/>
+                </a:rPr>
+                <a:t> &amp; v)</a:t>
+              </a:r>
+              <a:r>
+                <a:rPr lang="en-US" sz="1100" b="1" dirty="0" err="1">
+                  <a:latin typeface="Courier New" pitchFamily="49" charset="0"/>
+                  <a:cs typeface="Courier New" pitchFamily="49" charset="0"/>
+                </a:rPr>
+                <a:t>const</a:t>
+              </a:r>
+              <a:endParaRPr lang="en-US" sz="1100" b="1" dirty="0">
+                <a:latin typeface="Courier New" pitchFamily="49" charset="0"/>
+                <a:cs typeface="Courier New" pitchFamily="49" charset="0"/>
+              </a:endParaRPr>
+            </a:p>
+            <a:p>
+              <a:pPr defTabSz="180975"/>
+              <a:r>
+                <a:rPr lang="en-US" sz="1100" b="1" dirty="0" smtClean="0">
+                  <a:latin typeface="Courier New" pitchFamily="49" charset="0"/>
+                  <a:cs typeface="Courier New" pitchFamily="49" charset="0"/>
+                </a:rPr>
+                <a:t>	</a:t>
+              </a:r>
+              <a:r>
+                <a:rPr lang="ru-RU" sz="1100" b="1" dirty="0" smtClean="0">
+                  <a:latin typeface="Courier New" pitchFamily="49" charset="0"/>
+                  <a:cs typeface="Courier New" pitchFamily="49" charset="0"/>
+                </a:rPr>
+                <a:t>{</a:t>
+              </a:r>
+              <a:endParaRPr lang="ru-RU" sz="1100" b="1" dirty="0">
+                <a:latin typeface="Courier New" pitchFamily="49" charset="0"/>
+                <a:cs typeface="Courier New" pitchFamily="49" charset="0"/>
+              </a:endParaRPr>
+            </a:p>
+            <a:p>
+              <a:pPr defTabSz="180975"/>
+              <a:r>
+                <a:rPr lang="en-US" sz="1100" b="1" dirty="0" smtClean="0">
+                  <a:latin typeface="Courier New" pitchFamily="49" charset="0"/>
+                  <a:cs typeface="Courier New" pitchFamily="49" charset="0"/>
+                </a:rPr>
+                <a:t>		return </a:t>
+              </a:r>
+              <a:r>
+                <a:rPr lang="en-US" sz="1100" b="1" dirty="0">
+                  <a:latin typeface="Courier New" pitchFamily="49" charset="0"/>
+                  <a:cs typeface="Courier New" pitchFamily="49" charset="0"/>
+                </a:rPr>
+                <a:t>CVector3D(x + </a:t>
+              </a:r>
+              <a:r>
+                <a:rPr lang="en-US" sz="1100" b="1" dirty="0" err="1">
+                  <a:latin typeface="Courier New" pitchFamily="49" charset="0"/>
+                  <a:cs typeface="Courier New" pitchFamily="49" charset="0"/>
+                </a:rPr>
+                <a:t>v.x</a:t>
+              </a:r>
+              <a:r>
+                <a:rPr lang="en-US" sz="1100" b="1" dirty="0">
+                  <a:latin typeface="Courier New" pitchFamily="49" charset="0"/>
+                  <a:cs typeface="Courier New" pitchFamily="49" charset="0"/>
+                </a:rPr>
+                <a:t>, y + </a:t>
+              </a:r>
+              <a:r>
+                <a:rPr lang="en-US" sz="1100" b="1" dirty="0" err="1">
+                  <a:latin typeface="Courier New" pitchFamily="49" charset="0"/>
+                  <a:cs typeface="Courier New" pitchFamily="49" charset="0"/>
+                </a:rPr>
+                <a:t>v.y</a:t>
+              </a:r>
+              <a:r>
+                <a:rPr lang="en-US" sz="1100" b="1" dirty="0">
+                  <a:latin typeface="Courier New" pitchFamily="49" charset="0"/>
+                  <a:cs typeface="Courier New" pitchFamily="49" charset="0"/>
+                </a:rPr>
+                <a:t>, z + </a:t>
+              </a:r>
+              <a:r>
+                <a:rPr lang="en-US" sz="1100" b="1" dirty="0" err="1">
+                  <a:latin typeface="Courier New" pitchFamily="49" charset="0"/>
+                  <a:cs typeface="Courier New" pitchFamily="49" charset="0"/>
+                </a:rPr>
+                <a:t>v.z</a:t>
+              </a:r>
+              <a:r>
+                <a:rPr lang="en-US" sz="1100" b="1" dirty="0">
+                  <a:latin typeface="Courier New" pitchFamily="49" charset="0"/>
+                  <a:cs typeface="Courier New" pitchFamily="49" charset="0"/>
+                </a:rPr>
+                <a:t>);</a:t>
+              </a:r>
+            </a:p>
+            <a:p>
+              <a:pPr defTabSz="180975"/>
+              <a:r>
+                <a:rPr lang="en-US" sz="1100" b="1" dirty="0" smtClean="0">
+                  <a:latin typeface="Courier New" pitchFamily="49" charset="0"/>
+                  <a:cs typeface="Courier New" pitchFamily="49" charset="0"/>
+                </a:rPr>
+                <a:t>	</a:t>
+              </a:r>
+              <a:r>
+                <a:rPr lang="ru-RU" sz="1100" b="1" dirty="0" smtClean="0">
+                  <a:latin typeface="Courier New" pitchFamily="49" charset="0"/>
+                  <a:cs typeface="Courier New" pitchFamily="49" charset="0"/>
+                </a:rPr>
+                <a:t>}</a:t>
+              </a:r>
+              <a:endParaRPr lang="ru-RU" sz="1100" b="1" dirty="0">
+                <a:latin typeface="Courier New" pitchFamily="49" charset="0"/>
+                <a:cs typeface="Courier New" pitchFamily="49" charset="0"/>
+              </a:endParaRPr>
+            </a:p>
+            <a:p>
+              <a:pPr defTabSz="180975"/>
+              <a:r>
+                <a:rPr lang="ru-RU" sz="1100" b="1" dirty="0" smtClean="0">
+                  <a:latin typeface="Courier New" pitchFamily="49" charset="0"/>
+                  <a:cs typeface="Courier New" pitchFamily="49" charset="0"/>
+                </a:rPr>
+                <a:t>};</a:t>
+              </a:r>
+              <a:endParaRPr lang="ru-RU" sz="1100" b="1" dirty="0">
+                <a:latin typeface="Courier New" pitchFamily="49" charset="0"/>
+                <a:cs typeface="Courier New" pitchFamily="49" charset="0"/>
+              </a:endParaRPr>
+            </a:p>
+          </p:txBody>
+        </p:sp>
+        <p:sp>
+          <p:nvSpPr>
+            <p:cNvPr id="16" name="TextBox 15"/>
+            <p:cNvSpPr txBox="1"/>
+            <p:nvPr/>
+          </p:nvSpPr>
+          <p:spPr>
+            <a:xfrm>
+              <a:off x="8855968" y="5023775"/>
+              <a:ext cx="288032" cy="369332"/>
+            </a:xfrm>
+            <a:prstGeom prst="rect">
+              <a:avLst/>
+            </a:prstGeom>
+            <a:noFill/>
+          </p:spPr>
+          <p:txBody>
+            <a:bodyPr wrap="square" rtlCol="0">
+              <a:spAutoFit/>
+            </a:bodyPr>
+            <a:lstStyle/>
+            <a:p>
+              <a:pPr algn="r"/>
+              <a:r>
+                <a:rPr lang="en-US" dirty="0" smtClean="0"/>
+                <a:t>B</a:t>
+              </a:r>
+              <a:endParaRPr lang="ru-RU" dirty="0"/>
+            </a:p>
+          </p:txBody>
+        </p:sp>
+      </p:grpSp>
+    </p:spTree>
+    <p:extLst>
+      <p:ext uri="{BB962C8B-B14F-4D97-AF65-F5344CB8AC3E}">
+        <p14:creationId xmlns:p14="http://schemas.microsoft.com/office/powerpoint/2010/main" val="783015447"/>
+      </p:ext>
+    </p:extLst>
+  </p:cSld>
+  <p:clrMapOvr>
+    <a:masterClrMapping/>
+  </p:clrMapOvr>
+  <p:timing>
+    <p:tnLst>
+      <p:par>
+        <p:cTn id="1" dur="indefinite" restart="never" nodeType="tmRoot"/>
+      </p:par>
+    </p:tnLst>
+  </p:timing>
+</p:sld>
+</file>
+
+<file path=ppt/slides/slide3.xml><?xml version="1.0" encoding="utf-8"?>
+<p:sld xmlns:a="http://schemas.openxmlformats.org/drawingml/2006/main" xmlns:r="http://schemas.openxmlformats.org/officeDocument/2006/relationships" xmlns:p="http://schemas.openxmlformats.org/presentationml/2006/main">
+  <p:cSld>
+    <p:spTree>
+      <p:nvGrpSpPr>
+        <p:cNvPr id="1" name=""/>
+        <p:cNvGrpSpPr/>
+        <p:nvPr/>
+      </p:nvGrpSpPr>
+      <p:grpSpPr>
+        <a:xfrm>
+          <a:off x="0" y="0"/>
+          <a:ext cx="0" cy="0"/>
+          <a:chOff x="0" y="0"/>
+          <a:chExt cx="0" cy="0"/>
+        </a:xfrm>
+      </p:grpSpPr>
+      <p:sp>
+        <p:nvSpPr>
           <p:cNvPr id="2" name="Заголовок 1"/>
           <p:cNvSpPr>
             <a:spLocks noGrp="1"/>
@@ -6494,6 +7977,1638 @@
     <p:extLst>
       <p:ext uri="{BB962C8B-B14F-4D97-AF65-F5344CB8AC3E}">
         <p14:creationId xmlns:p14="http://schemas.microsoft.com/office/powerpoint/2010/main" val="708602887"/>
+      </p:ext>
+    </p:extLst>
+  </p:cSld>
+  <p:clrMapOvr>
+    <a:masterClrMapping/>
+  </p:clrMapOvr>
+  <p:timing>
+    <p:tnLst>
+      <p:par>
+        <p:cTn id="1" dur="indefinite" restart="never" nodeType="tmRoot"/>
+      </p:par>
+    </p:tnLst>
+  </p:timing>
+</p:sld>
+</file>
+
+<file path=ppt/slides/slide4.xml><?xml version="1.0" encoding="utf-8"?>
+<p:sld xmlns:a="http://schemas.openxmlformats.org/drawingml/2006/main" xmlns:r="http://schemas.openxmlformats.org/officeDocument/2006/relationships" xmlns:p="http://schemas.openxmlformats.org/presentationml/2006/main">
+  <p:cSld>
+    <p:spTree>
+      <p:nvGrpSpPr>
+        <p:cNvPr id="1" name=""/>
+        <p:cNvGrpSpPr/>
+        <p:nvPr/>
+      </p:nvGrpSpPr>
+      <p:grpSpPr>
+        <a:xfrm>
+          <a:off x="0" y="0"/>
+          <a:ext cx="0" cy="0"/>
+          <a:chOff x="0" y="0"/>
+          <a:chExt cx="0" cy="0"/>
+        </a:xfrm>
+      </p:grpSpPr>
+      <p:sp>
+        <p:nvSpPr>
+          <p:cNvPr id="2" name="Заголовок 1"/>
+          <p:cNvSpPr>
+            <a:spLocks noGrp="1"/>
+          </p:cNvSpPr>
+          <p:nvPr>
+            <p:ph type="title"/>
+          </p:nvPr>
+        </p:nvSpPr>
+        <p:spPr/>
+        <p:txBody>
+          <a:bodyPr>
+            <a:normAutofit fontScale="90000"/>
+          </a:bodyPr>
+          <a:lstStyle/>
+          <a:p>
+            <a:r>
+              <a:rPr lang="en-US" dirty="0" smtClean="0"/>
+              <a:t>2. </a:t>
+            </a:r>
+            <a:r>
+              <a:rPr lang="ru-RU" dirty="0" smtClean="0"/>
+              <a:t>Укажите корректны</a:t>
+            </a:r>
+            <a:r>
+              <a:rPr lang="ru-RU" dirty="0"/>
+              <a:t>е</a:t>
+            </a:r>
+            <a:r>
+              <a:rPr lang="ru-RU" dirty="0" smtClean="0"/>
+              <a:t> способы перегрузки оператора </a:t>
+            </a:r>
+            <a:r>
+              <a:rPr lang="en-US" dirty="0" smtClean="0"/>
+              <a:t>&gt;=</a:t>
+            </a:r>
+            <a:endParaRPr lang="ru-RU" dirty="0"/>
+          </a:p>
+        </p:txBody>
+      </p:sp>
+      <p:sp>
+        <p:nvSpPr>
+          <p:cNvPr id="4" name="Прямоугольник 3"/>
+          <p:cNvSpPr/>
+          <p:nvPr/>
+        </p:nvSpPr>
+        <p:spPr>
+          <a:xfrm>
+            <a:off x="0" y="1484784"/>
+            <a:ext cx="8460432" cy="1569660"/>
+          </a:xfrm>
+          <a:prstGeom prst="rect">
+            <a:avLst/>
+          </a:prstGeom>
+        </p:spPr>
+        <p:txBody>
+          <a:bodyPr wrap="square">
+            <a:spAutoFit/>
+          </a:bodyPr>
+          <a:lstStyle/>
+          <a:p>
+            <a:pPr defTabSz="180975"/>
+            <a:r>
+              <a:rPr lang="en-US" sz="1200" b="1" dirty="0">
+                <a:latin typeface="Courier New" pitchFamily="49" charset="0"/>
+                <a:cs typeface="Courier New" pitchFamily="49" charset="0"/>
+              </a:rPr>
+              <a:t>class </a:t>
+            </a:r>
+            <a:r>
+              <a:rPr lang="en-US" sz="1200" b="1" dirty="0" err="1">
+                <a:latin typeface="Courier New" pitchFamily="49" charset="0"/>
+                <a:cs typeface="Courier New" pitchFamily="49" charset="0"/>
+              </a:rPr>
+              <a:t>CTime</a:t>
+            </a:r>
+            <a:endParaRPr lang="en-US" sz="1200" b="1" dirty="0">
+              <a:latin typeface="Courier New" pitchFamily="49" charset="0"/>
+              <a:cs typeface="Courier New" pitchFamily="49" charset="0"/>
+            </a:endParaRPr>
+          </a:p>
+          <a:p>
+            <a:pPr defTabSz="180975"/>
+            <a:r>
+              <a:rPr lang="ru-RU" sz="1200" b="1" dirty="0">
+                <a:latin typeface="Courier New" pitchFamily="49" charset="0"/>
+                <a:cs typeface="Courier New" pitchFamily="49" charset="0"/>
+              </a:rPr>
+              <a:t>{</a:t>
+            </a:r>
+          </a:p>
+          <a:p>
+            <a:pPr defTabSz="180975"/>
+            <a:r>
+              <a:rPr lang="en-US" sz="1200" b="1" dirty="0">
+                <a:latin typeface="Courier New" pitchFamily="49" charset="0"/>
+                <a:cs typeface="Courier New" pitchFamily="49" charset="0"/>
+              </a:rPr>
+              <a:t>public</a:t>
+            </a:r>
+            <a:r>
+              <a:rPr lang="en-US" sz="1200" b="1" dirty="0" smtClean="0">
+                <a:latin typeface="Courier New" pitchFamily="49" charset="0"/>
+                <a:cs typeface="Courier New" pitchFamily="49" charset="0"/>
+              </a:rPr>
+              <a:t>:</a:t>
+            </a:r>
+          </a:p>
+          <a:p>
+            <a:pPr defTabSz="180975"/>
+            <a:r>
+              <a:rPr lang="en-US" sz="1200" b="1" dirty="0">
+                <a:latin typeface="Courier New" pitchFamily="49" charset="0"/>
+                <a:cs typeface="Courier New" pitchFamily="49" charset="0"/>
+              </a:rPr>
+              <a:t>	</a:t>
+            </a:r>
+            <a:r>
+              <a:rPr lang="en-US" sz="1200" b="1" dirty="0" smtClean="0">
+                <a:latin typeface="Courier New" pitchFamily="49" charset="0"/>
+                <a:cs typeface="Courier New" pitchFamily="49" charset="0"/>
+              </a:rPr>
+              <a:t>…</a:t>
+            </a:r>
+            <a:endParaRPr lang="en-US" sz="1200" b="1" dirty="0">
+              <a:latin typeface="Courier New" pitchFamily="49" charset="0"/>
+              <a:cs typeface="Courier New" pitchFamily="49" charset="0"/>
+            </a:endParaRPr>
+          </a:p>
+          <a:p>
+            <a:pPr defTabSz="180975"/>
+            <a:r>
+              <a:rPr lang="en-US" sz="1200" b="1" dirty="0" smtClean="0">
+                <a:latin typeface="Courier New" pitchFamily="49" charset="0"/>
+                <a:cs typeface="Courier New" pitchFamily="49" charset="0"/>
+              </a:rPr>
+              <a:t>	unsigned </a:t>
+            </a:r>
+            <a:r>
+              <a:rPr lang="en-US" sz="1200" b="1" dirty="0" err="1">
+                <a:latin typeface="Courier New" pitchFamily="49" charset="0"/>
+                <a:cs typeface="Courier New" pitchFamily="49" charset="0"/>
+              </a:rPr>
+              <a:t>GetSeconds</a:t>
+            </a:r>
+            <a:r>
+              <a:rPr lang="en-US" sz="1200" b="1" dirty="0">
+                <a:latin typeface="Courier New" pitchFamily="49" charset="0"/>
+                <a:cs typeface="Courier New" pitchFamily="49" charset="0"/>
+              </a:rPr>
+              <a:t>()</a:t>
+            </a:r>
+            <a:r>
+              <a:rPr lang="en-US" sz="1200" b="1" dirty="0" err="1">
+                <a:latin typeface="Courier New" pitchFamily="49" charset="0"/>
+                <a:cs typeface="Courier New" pitchFamily="49" charset="0"/>
+              </a:rPr>
+              <a:t>const</a:t>
+            </a:r>
+            <a:r>
+              <a:rPr lang="en-US" sz="1200" b="1" dirty="0">
+                <a:latin typeface="Courier New" pitchFamily="49" charset="0"/>
+                <a:cs typeface="Courier New" pitchFamily="49" charset="0"/>
+              </a:rPr>
+              <a:t>{return </a:t>
+            </a:r>
+            <a:r>
+              <a:rPr lang="en-US" sz="1200" b="1" dirty="0" err="1">
+                <a:latin typeface="Courier New" pitchFamily="49" charset="0"/>
+                <a:cs typeface="Courier New" pitchFamily="49" charset="0"/>
+              </a:rPr>
+              <a:t>m_timeOffset</a:t>
+            </a:r>
+            <a:r>
+              <a:rPr lang="en-US" sz="1200" b="1" dirty="0">
+                <a:latin typeface="Courier New" pitchFamily="49" charset="0"/>
+                <a:cs typeface="Courier New" pitchFamily="49" charset="0"/>
+              </a:rPr>
+              <a:t> % 60;}</a:t>
+            </a:r>
+          </a:p>
+          <a:p>
+            <a:pPr defTabSz="180975"/>
+            <a:r>
+              <a:rPr lang="en-US" sz="1200" b="1" dirty="0" smtClean="0">
+                <a:latin typeface="Courier New" pitchFamily="49" charset="0"/>
+                <a:cs typeface="Courier New" pitchFamily="49" charset="0"/>
+              </a:rPr>
+              <a:t>private</a:t>
+            </a:r>
+            <a:r>
+              <a:rPr lang="en-US" sz="1200" b="1" dirty="0">
+                <a:latin typeface="Courier New" pitchFamily="49" charset="0"/>
+                <a:cs typeface="Courier New" pitchFamily="49" charset="0"/>
+              </a:rPr>
+              <a:t>:</a:t>
+            </a:r>
+          </a:p>
+          <a:p>
+            <a:pPr defTabSz="180975"/>
+            <a:r>
+              <a:rPr lang="en-US" sz="1200" b="1" dirty="0" smtClean="0">
+                <a:latin typeface="Courier New" pitchFamily="49" charset="0"/>
+                <a:cs typeface="Courier New" pitchFamily="49" charset="0"/>
+              </a:rPr>
+              <a:t>	unsigned </a:t>
+            </a:r>
+            <a:r>
+              <a:rPr lang="en-US" sz="1200" b="1" dirty="0" err="1">
+                <a:latin typeface="Courier New" pitchFamily="49" charset="0"/>
+                <a:cs typeface="Courier New" pitchFamily="49" charset="0"/>
+              </a:rPr>
+              <a:t>m_timeOffset</a:t>
+            </a:r>
+            <a:r>
+              <a:rPr lang="en-US" sz="1200" b="1" dirty="0">
+                <a:latin typeface="Courier New" pitchFamily="49" charset="0"/>
+                <a:cs typeface="Courier New" pitchFamily="49" charset="0"/>
+              </a:rPr>
+              <a:t>;</a:t>
+            </a:r>
+          </a:p>
+          <a:p>
+            <a:pPr defTabSz="180975"/>
+            <a:r>
+              <a:rPr lang="ru-RU" sz="1200" b="1" dirty="0">
+                <a:latin typeface="Courier New" pitchFamily="49" charset="0"/>
+                <a:cs typeface="Courier New" pitchFamily="49" charset="0"/>
+              </a:rPr>
+              <a:t>};</a:t>
+            </a:r>
+          </a:p>
+        </p:txBody>
+      </p:sp>
+      <p:sp>
+        <p:nvSpPr>
+          <p:cNvPr id="5" name="Прямоугольник 4"/>
+          <p:cNvSpPr/>
+          <p:nvPr/>
+        </p:nvSpPr>
+        <p:spPr>
+          <a:xfrm>
+            <a:off x="27856" y="3088010"/>
+            <a:ext cx="4202360" cy="1754326"/>
+          </a:xfrm>
+          <a:prstGeom prst="rect">
+            <a:avLst/>
+          </a:prstGeom>
+          <a:ln>
+            <a:solidFill>
+              <a:srgbClr val="00B050"/>
+            </a:solidFill>
+          </a:ln>
+        </p:spPr>
+        <p:style>
+          <a:lnRef idx="2">
+            <a:schemeClr val="dk1"/>
+          </a:lnRef>
+          <a:fillRef idx="1">
+            <a:schemeClr val="lt1"/>
+          </a:fillRef>
+          <a:effectRef idx="0">
+            <a:schemeClr val="dk1"/>
+          </a:effectRef>
+          <a:fontRef idx="minor">
+            <a:schemeClr val="dk1"/>
+          </a:fontRef>
+        </p:style>
+        <p:txBody>
+          <a:bodyPr wrap="square">
+            <a:spAutoFit/>
+          </a:bodyPr>
+          <a:lstStyle/>
+          <a:p>
+            <a:pPr defTabSz="180975"/>
+            <a:r>
+              <a:rPr lang="en-US" sz="1200" b="1" dirty="0">
+                <a:latin typeface="Courier New" pitchFamily="49" charset="0"/>
+                <a:cs typeface="Courier New" pitchFamily="49" charset="0"/>
+              </a:rPr>
+              <a:t>class </a:t>
+            </a:r>
+            <a:r>
+              <a:rPr lang="en-US" sz="1200" b="1" dirty="0" err="1">
+                <a:latin typeface="Courier New" pitchFamily="49" charset="0"/>
+                <a:cs typeface="Courier New" pitchFamily="49" charset="0"/>
+              </a:rPr>
+              <a:t>CTime</a:t>
+            </a:r>
+            <a:endParaRPr lang="en-US" sz="1200" b="1" dirty="0">
+              <a:latin typeface="Courier New" pitchFamily="49" charset="0"/>
+              <a:cs typeface="Courier New" pitchFamily="49" charset="0"/>
+            </a:endParaRPr>
+          </a:p>
+          <a:p>
+            <a:pPr defTabSz="180975"/>
+            <a:r>
+              <a:rPr lang="ru-RU" sz="1200" b="1" dirty="0">
+                <a:latin typeface="Courier New" pitchFamily="49" charset="0"/>
+                <a:cs typeface="Courier New" pitchFamily="49" charset="0"/>
+              </a:rPr>
+              <a:t>{</a:t>
+            </a:r>
+          </a:p>
+          <a:p>
+            <a:pPr defTabSz="180975"/>
+            <a:r>
+              <a:rPr lang="en-US" sz="1200" b="1" dirty="0">
+                <a:latin typeface="Courier New" pitchFamily="49" charset="0"/>
+                <a:cs typeface="Courier New" pitchFamily="49" charset="0"/>
+              </a:rPr>
+              <a:t>public</a:t>
+            </a:r>
+            <a:r>
+              <a:rPr lang="en-US" sz="1200" b="1" dirty="0" smtClean="0">
+                <a:latin typeface="Courier New" pitchFamily="49" charset="0"/>
+                <a:cs typeface="Courier New" pitchFamily="49" charset="0"/>
+              </a:rPr>
+              <a:t>:</a:t>
+            </a:r>
+          </a:p>
+          <a:p>
+            <a:pPr defTabSz="180975"/>
+            <a:r>
+              <a:rPr lang="en-US" sz="1200" b="1" dirty="0">
+                <a:latin typeface="Courier New" pitchFamily="49" charset="0"/>
+                <a:cs typeface="Courier New" pitchFamily="49" charset="0"/>
+              </a:rPr>
+              <a:t>	</a:t>
+            </a:r>
+            <a:r>
+              <a:rPr lang="en-US" sz="1200" b="1" dirty="0" smtClean="0">
+                <a:latin typeface="Courier New" pitchFamily="49" charset="0"/>
+                <a:cs typeface="Courier New" pitchFamily="49" charset="0"/>
+              </a:rPr>
+              <a:t>…</a:t>
+            </a:r>
+            <a:endParaRPr lang="en-US" sz="1200" b="1" dirty="0">
+              <a:latin typeface="Courier New" pitchFamily="49" charset="0"/>
+              <a:cs typeface="Courier New" pitchFamily="49" charset="0"/>
+            </a:endParaRPr>
+          </a:p>
+          <a:p>
+            <a:pPr defTabSz="180975"/>
+            <a:r>
+              <a:rPr lang="en-US" sz="1200" b="1" dirty="0" smtClean="0">
+                <a:latin typeface="Courier New" pitchFamily="49" charset="0"/>
+                <a:cs typeface="Courier New" pitchFamily="49" charset="0"/>
+              </a:rPr>
+              <a:t>	</a:t>
+            </a:r>
+            <a:r>
+              <a:rPr lang="en-US" sz="1200" b="1" dirty="0" err="1" smtClean="0">
+                <a:latin typeface="Courier New" pitchFamily="49" charset="0"/>
+                <a:cs typeface="Courier New" pitchFamily="49" charset="0"/>
+              </a:rPr>
+              <a:t>bool</a:t>
+            </a:r>
+            <a:r>
+              <a:rPr lang="en-US" sz="1200" b="1" dirty="0" smtClean="0">
+                <a:latin typeface="Courier New" pitchFamily="49" charset="0"/>
+                <a:cs typeface="Courier New" pitchFamily="49" charset="0"/>
+              </a:rPr>
+              <a:t> </a:t>
+            </a:r>
+            <a:r>
+              <a:rPr lang="en-US" sz="1200" b="1" dirty="0">
+                <a:latin typeface="Courier New" pitchFamily="49" charset="0"/>
+                <a:cs typeface="Courier New" pitchFamily="49" charset="0"/>
+              </a:rPr>
+              <a:t>operator &gt;= (</a:t>
+            </a:r>
+            <a:r>
+              <a:rPr lang="en-US" sz="1200" b="1" dirty="0" err="1">
+                <a:latin typeface="Courier New" pitchFamily="49" charset="0"/>
+                <a:cs typeface="Courier New" pitchFamily="49" charset="0"/>
+              </a:rPr>
+              <a:t>CTime</a:t>
+            </a:r>
+            <a:r>
+              <a:rPr lang="en-US" sz="1200" b="1" dirty="0">
+                <a:latin typeface="Courier New" pitchFamily="49" charset="0"/>
+                <a:cs typeface="Courier New" pitchFamily="49" charset="0"/>
+              </a:rPr>
+              <a:t> </a:t>
+            </a:r>
+            <a:r>
+              <a:rPr lang="en-US" sz="1200" b="1" dirty="0" err="1">
+                <a:latin typeface="Courier New" pitchFamily="49" charset="0"/>
+                <a:cs typeface="Courier New" pitchFamily="49" charset="0"/>
+              </a:rPr>
+              <a:t>const</a:t>
+            </a:r>
+            <a:r>
+              <a:rPr lang="en-US" sz="1200" b="1" dirty="0">
+                <a:latin typeface="Courier New" pitchFamily="49" charset="0"/>
+                <a:cs typeface="Courier New" pitchFamily="49" charset="0"/>
+              </a:rPr>
+              <a:t>&amp; t)</a:t>
+            </a:r>
+            <a:r>
+              <a:rPr lang="en-US" sz="1200" b="1" dirty="0" err="1">
+                <a:latin typeface="Courier New" pitchFamily="49" charset="0"/>
+                <a:cs typeface="Courier New" pitchFamily="49" charset="0"/>
+              </a:rPr>
+              <a:t>const</a:t>
+            </a:r>
+            <a:endParaRPr lang="en-US" sz="1200" b="1" dirty="0">
+              <a:latin typeface="Courier New" pitchFamily="49" charset="0"/>
+              <a:cs typeface="Courier New" pitchFamily="49" charset="0"/>
+            </a:endParaRPr>
+          </a:p>
+          <a:p>
+            <a:pPr defTabSz="180975"/>
+            <a:r>
+              <a:rPr lang="en-US" sz="1200" b="1" dirty="0" smtClean="0">
+                <a:latin typeface="Courier New" pitchFamily="49" charset="0"/>
+                <a:cs typeface="Courier New" pitchFamily="49" charset="0"/>
+              </a:rPr>
+              <a:t>	</a:t>
+            </a:r>
+            <a:r>
+              <a:rPr lang="ru-RU" sz="1200" b="1" dirty="0" smtClean="0">
+                <a:latin typeface="Courier New" pitchFamily="49" charset="0"/>
+                <a:cs typeface="Courier New" pitchFamily="49" charset="0"/>
+              </a:rPr>
+              <a:t>{</a:t>
+            </a:r>
+            <a:endParaRPr lang="ru-RU" sz="1200" b="1" dirty="0">
+              <a:latin typeface="Courier New" pitchFamily="49" charset="0"/>
+              <a:cs typeface="Courier New" pitchFamily="49" charset="0"/>
+            </a:endParaRPr>
+          </a:p>
+          <a:p>
+            <a:pPr defTabSz="180975"/>
+            <a:r>
+              <a:rPr lang="en-US" sz="1200" b="1" dirty="0" smtClean="0">
+                <a:latin typeface="Courier New" pitchFamily="49" charset="0"/>
+                <a:cs typeface="Courier New" pitchFamily="49" charset="0"/>
+              </a:rPr>
+              <a:t>		return </a:t>
+            </a:r>
+            <a:r>
+              <a:rPr lang="en-US" sz="1200" b="1" dirty="0" err="1">
+                <a:latin typeface="Courier New" pitchFamily="49" charset="0"/>
+                <a:cs typeface="Courier New" pitchFamily="49" charset="0"/>
+              </a:rPr>
+              <a:t>m_timeOffset</a:t>
+            </a:r>
+            <a:r>
+              <a:rPr lang="en-US" sz="1200" b="1" dirty="0">
+                <a:latin typeface="Courier New" pitchFamily="49" charset="0"/>
+                <a:cs typeface="Courier New" pitchFamily="49" charset="0"/>
+              </a:rPr>
+              <a:t> &gt;= </a:t>
+            </a:r>
+            <a:r>
+              <a:rPr lang="en-US" sz="1200" b="1" dirty="0" err="1">
+                <a:latin typeface="Courier New" pitchFamily="49" charset="0"/>
+                <a:cs typeface="Courier New" pitchFamily="49" charset="0"/>
+              </a:rPr>
+              <a:t>t.m_timeOffset</a:t>
+            </a:r>
+            <a:r>
+              <a:rPr lang="en-US" sz="1200" b="1" dirty="0">
+                <a:latin typeface="Courier New" pitchFamily="49" charset="0"/>
+                <a:cs typeface="Courier New" pitchFamily="49" charset="0"/>
+              </a:rPr>
+              <a:t>;</a:t>
+            </a:r>
+          </a:p>
+          <a:p>
+            <a:pPr defTabSz="180975"/>
+            <a:r>
+              <a:rPr lang="en-US" sz="1200" b="1" dirty="0" smtClean="0">
+                <a:latin typeface="Courier New" pitchFamily="49" charset="0"/>
+                <a:cs typeface="Courier New" pitchFamily="49" charset="0"/>
+              </a:rPr>
+              <a:t>	</a:t>
+            </a:r>
+            <a:r>
+              <a:rPr lang="ru-RU" sz="1200" b="1" dirty="0" smtClean="0">
+                <a:latin typeface="Courier New" pitchFamily="49" charset="0"/>
+                <a:cs typeface="Courier New" pitchFamily="49" charset="0"/>
+              </a:rPr>
+              <a:t>}</a:t>
+            </a:r>
+            <a:endParaRPr lang="en-US" sz="1200" b="1" dirty="0" smtClean="0">
+              <a:latin typeface="Courier New" pitchFamily="49" charset="0"/>
+              <a:cs typeface="Courier New" pitchFamily="49" charset="0"/>
+            </a:endParaRPr>
+          </a:p>
+          <a:p>
+            <a:pPr defTabSz="180975"/>
+            <a:r>
+              <a:rPr lang="ru-RU" sz="1200" b="1" dirty="0" smtClean="0">
+                <a:latin typeface="Courier New" pitchFamily="49" charset="0"/>
+                <a:cs typeface="Courier New" pitchFamily="49" charset="0"/>
+              </a:rPr>
+              <a:t>};</a:t>
+            </a:r>
+            <a:endParaRPr lang="ru-RU" sz="1200" b="1" dirty="0">
+              <a:latin typeface="Courier New" pitchFamily="49" charset="0"/>
+              <a:cs typeface="Courier New" pitchFamily="49" charset="0"/>
+            </a:endParaRPr>
+          </a:p>
+        </p:txBody>
+      </p:sp>
+      <p:sp>
+        <p:nvSpPr>
+          <p:cNvPr id="6" name="Прямоугольник 5"/>
+          <p:cNvSpPr/>
+          <p:nvPr/>
+        </p:nvSpPr>
+        <p:spPr>
+          <a:xfrm>
+            <a:off x="4499993" y="2780928"/>
+            <a:ext cx="4616152" cy="1754326"/>
+          </a:xfrm>
+          <a:prstGeom prst="rect">
+            <a:avLst/>
+          </a:prstGeom>
+          <a:ln>
+            <a:solidFill>
+              <a:srgbClr val="FF0000"/>
+            </a:solidFill>
+          </a:ln>
+        </p:spPr>
+        <p:style>
+          <a:lnRef idx="2">
+            <a:schemeClr val="dk1"/>
+          </a:lnRef>
+          <a:fillRef idx="1">
+            <a:schemeClr val="lt1"/>
+          </a:fillRef>
+          <a:effectRef idx="0">
+            <a:schemeClr val="dk1"/>
+          </a:effectRef>
+          <a:fontRef idx="minor">
+            <a:schemeClr val="dk1"/>
+          </a:fontRef>
+        </p:style>
+        <p:txBody>
+          <a:bodyPr wrap="square">
+            <a:spAutoFit/>
+          </a:bodyPr>
+          <a:lstStyle/>
+          <a:p>
+            <a:pPr defTabSz="180975"/>
+            <a:r>
+              <a:rPr lang="en-US" sz="1200" b="1" dirty="0">
+                <a:latin typeface="Courier New" pitchFamily="49" charset="0"/>
+                <a:cs typeface="Courier New" pitchFamily="49" charset="0"/>
+              </a:rPr>
+              <a:t>class </a:t>
+            </a:r>
+            <a:r>
+              <a:rPr lang="en-US" sz="1200" b="1" dirty="0" err="1">
+                <a:latin typeface="Courier New" pitchFamily="49" charset="0"/>
+                <a:cs typeface="Courier New" pitchFamily="49" charset="0"/>
+              </a:rPr>
+              <a:t>CTime</a:t>
+            </a:r>
+            <a:endParaRPr lang="en-US" sz="1200" b="1" dirty="0">
+              <a:latin typeface="Courier New" pitchFamily="49" charset="0"/>
+              <a:cs typeface="Courier New" pitchFamily="49" charset="0"/>
+            </a:endParaRPr>
+          </a:p>
+          <a:p>
+            <a:pPr defTabSz="180975"/>
+            <a:r>
+              <a:rPr lang="ru-RU" sz="1200" b="1" dirty="0">
+                <a:latin typeface="Courier New" pitchFamily="49" charset="0"/>
+                <a:cs typeface="Courier New" pitchFamily="49" charset="0"/>
+              </a:rPr>
+              <a:t>{</a:t>
+            </a:r>
+          </a:p>
+          <a:p>
+            <a:pPr defTabSz="180975"/>
+            <a:r>
+              <a:rPr lang="en-US" sz="1200" b="1" dirty="0">
+                <a:latin typeface="Courier New" pitchFamily="49" charset="0"/>
+                <a:cs typeface="Courier New" pitchFamily="49" charset="0"/>
+              </a:rPr>
+              <a:t>public</a:t>
+            </a:r>
+            <a:r>
+              <a:rPr lang="en-US" sz="1200" b="1" dirty="0" smtClean="0">
+                <a:latin typeface="Courier New" pitchFamily="49" charset="0"/>
+                <a:cs typeface="Courier New" pitchFamily="49" charset="0"/>
+              </a:rPr>
+              <a:t>:</a:t>
+            </a:r>
+          </a:p>
+          <a:p>
+            <a:pPr defTabSz="180975"/>
+            <a:r>
+              <a:rPr lang="en-US" sz="1200" b="1" dirty="0">
+                <a:latin typeface="Courier New" pitchFamily="49" charset="0"/>
+                <a:cs typeface="Courier New" pitchFamily="49" charset="0"/>
+              </a:rPr>
+              <a:t>	</a:t>
+            </a:r>
+            <a:r>
+              <a:rPr lang="en-US" sz="1200" b="1" dirty="0" smtClean="0">
+                <a:latin typeface="Courier New" pitchFamily="49" charset="0"/>
+                <a:cs typeface="Courier New" pitchFamily="49" charset="0"/>
+              </a:rPr>
+              <a:t>…</a:t>
+            </a:r>
+            <a:endParaRPr lang="en-US" sz="1200" b="1" dirty="0">
+              <a:latin typeface="Courier New" pitchFamily="49" charset="0"/>
+              <a:cs typeface="Courier New" pitchFamily="49" charset="0"/>
+            </a:endParaRPr>
+          </a:p>
+          <a:p>
+            <a:pPr defTabSz="180975"/>
+            <a:r>
+              <a:rPr lang="en-US" sz="1200" b="1" dirty="0" smtClean="0">
+                <a:latin typeface="Courier New" pitchFamily="49" charset="0"/>
+                <a:cs typeface="Courier New" pitchFamily="49" charset="0"/>
+              </a:rPr>
+              <a:t>	</a:t>
+            </a:r>
+            <a:r>
+              <a:rPr lang="en-US" sz="1200" b="1" dirty="0" err="1" smtClean="0">
+                <a:latin typeface="Courier New" pitchFamily="49" charset="0"/>
+                <a:cs typeface="Courier New" pitchFamily="49" charset="0"/>
+              </a:rPr>
+              <a:t>bool</a:t>
+            </a:r>
+            <a:r>
+              <a:rPr lang="en-US" sz="1200" b="1" dirty="0" smtClean="0">
+                <a:latin typeface="Courier New" pitchFamily="49" charset="0"/>
+                <a:cs typeface="Courier New" pitchFamily="49" charset="0"/>
+              </a:rPr>
+              <a:t> </a:t>
+            </a:r>
+            <a:r>
+              <a:rPr lang="en-US" sz="1200" b="1" dirty="0">
+                <a:latin typeface="Courier New" pitchFamily="49" charset="0"/>
+                <a:cs typeface="Courier New" pitchFamily="49" charset="0"/>
+              </a:rPr>
+              <a:t>operator &gt;= (</a:t>
+            </a:r>
+            <a:r>
+              <a:rPr lang="en-US" sz="1200" b="1" dirty="0" err="1">
+                <a:latin typeface="Courier New" pitchFamily="49" charset="0"/>
+                <a:cs typeface="Courier New" pitchFamily="49" charset="0"/>
+              </a:rPr>
+              <a:t>CTime</a:t>
+            </a:r>
+            <a:r>
+              <a:rPr lang="en-US" sz="1200" b="1" dirty="0">
+                <a:latin typeface="Courier New" pitchFamily="49" charset="0"/>
+                <a:cs typeface="Courier New" pitchFamily="49" charset="0"/>
+              </a:rPr>
+              <a:t> </a:t>
+            </a:r>
+            <a:r>
+              <a:rPr lang="en-US" sz="1200" b="1" dirty="0" err="1">
+                <a:latin typeface="Courier New" pitchFamily="49" charset="0"/>
+                <a:cs typeface="Courier New" pitchFamily="49" charset="0"/>
+              </a:rPr>
+              <a:t>const</a:t>
+            </a:r>
+            <a:r>
+              <a:rPr lang="en-US" sz="1200" b="1" dirty="0">
+                <a:latin typeface="Courier New" pitchFamily="49" charset="0"/>
+                <a:cs typeface="Courier New" pitchFamily="49" charset="0"/>
+              </a:rPr>
+              <a:t>&amp; t)</a:t>
+            </a:r>
+            <a:r>
+              <a:rPr lang="en-US" sz="1200" b="1" dirty="0" err="1">
+                <a:latin typeface="Courier New" pitchFamily="49" charset="0"/>
+                <a:cs typeface="Courier New" pitchFamily="49" charset="0"/>
+              </a:rPr>
+              <a:t>const</a:t>
+            </a:r>
+            <a:endParaRPr lang="en-US" sz="1200" b="1" dirty="0">
+              <a:latin typeface="Courier New" pitchFamily="49" charset="0"/>
+              <a:cs typeface="Courier New" pitchFamily="49" charset="0"/>
+            </a:endParaRPr>
+          </a:p>
+          <a:p>
+            <a:pPr defTabSz="180975"/>
+            <a:r>
+              <a:rPr lang="en-US" sz="1200" b="1" dirty="0" smtClean="0">
+                <a:latin typeface="Courier New" pitchFamily="49" charset="0"/>
+                <a:cs typeface="Courier New" pitchFamily="49" charset="0"/>
+              </a:rPr>
+              <a:t>	</a:t>
+            </a:r>
+            <a:r>
+              <a:rPr lang="ru-RU" sz="1200" b="1" dirty="0" smtClean="0">
+                <a:latin typeface="Courier New" pitchFamily="49" charset="0"/>
+                <a:cs typeface="Courier New" pitchFamily="49" charset="0"/>
+              </a:rPr>
+              <a:t>{</a:t>
+            </a:r>
+            <a:endParaRPr lang="ru-RU" sz="1200" b="1" dirty="0">
+              <a:latin typeface="Courier New" pitchFamily="49" charset="0"/>
+              <a:cs typeface="Courier New" pitchFamily="49" charset="0"/>
+            </a:endParaRPr>
+          </a:p>
+          <a:p>
+            <a:pPr defTabSz="180975"/>
+            <a:r>
+              <a:rPr lang="en-US" sz="1200" b="1" dirty="0" smtClean="0">
+                <a:latin typeface="Courier New" pitchFamily="49" charset="0"/>
+                <a:cs typeface="Courier New" pitchFamily="49" charset="0"/>
+              </a:rPr>
+              <a:t>		return </a:t>
+            </a:r>
+            <a:r>
+              <a:rPr lang="en-US" sz="1200" b="1" dirty="0" err="1">
+                <a:latin typeface="Courier New" pitchFamily="49" charset="0"/>
+                <a:cs typeface="Courier New" pitchFamily="49" charset="0"/>
+              </a:rPr>
+              <a:t>t.m_timeOffset</a:t>
+            </a:r>
+            <a:r>
+              <a:rPr lang="en-US" sz="1200" b="1" dirty="0">
+                <a:latin typeface="Courier New" pitchFamily="49" charset="0"/>
+                <a:cs typeface="Courier New" pitchFamily="49" charset="0"/>
+              </a:rPr>
+              <a:t> </a:t>
+            </a:r>
+            <a:r>
+              <a:rPr lang="en-US" sz="1200" b="1" dirty="0" smtClean="0">
+                <a:latin typeface="Courier New" pitchFamily="49" charset="0"/>
+                <a:cs typeface="Courier New" pitchFamily="49" charset="0"/>
+              </a:rPr>
+              <a:t>&gt;=</a:t>
+            </a:r>
+            <a:r>
+              <a:rPr lang="en-US" sz="1200" b="1" dirty="0">
+                <a:latin typeface="Courier New" pitchFamily="49" charset="0"/>
+                <a:cs typeface="Courier New" pitchFamily="49" charset="0"/>
+              </a:rPr>
+              <a:t> </a:t>
+            </a:r>
+            <a:r>
+              <a:rPr lang="en-US" sz="1200" b="1" dirty="0" err="1">
+                <a:latin typeface="Courier New" pitchFamily="49" charset="0"/>
+                <a:cs typeface="Courier New" pitchFamily="49" charset="0"/>
+              </a:rPr>
+              <a:t>m_timeOffset</a:t>
+            </a:r>
+            <a:r>
+              <a:rPr lang="en-US" sz="1200" b="1" dirty="0" smtClean="0">
+                <a:latin typeface="Courier New" pitchFamily="49" charset="0"/>
+                <a:cs typeface="Courier New" pitchFamily="49" charset="0"/>
+              </a:rPr>
+              <a:t>;</a:t>
+            </a:r>
+            <a:endParaRPr lang="en-US" sz="1200" b="1" dirty="0">
+              <a:latin typeface="Courier New" pitchFamily="49" charset="0"/>
+              <a:cs typeface="Courier New" pitchFamily="49" charset="0"/>
+            </a:endParaRPr>
+          </a:p>
+          <a:p>
+            <a:pPr defTabSz="180975"/>
+            <a:r>
+              <a:rPr lang="en-US" sz="1200" b="1" dirty="0" smtClean="0">
+                <a:latin typeface="Courier New" pitchFamily="49" charset="0"/>
+                <a:cs typeface="Courier New" pitchFamily="49" charset="0"/>
+              </a:rPr>
+              <a:t>	</a:t>
+            </a:r>
+            <a:r>
+              <a:rPr lang="ru-RU" sz="1200" b="1" dirty="0" smtClean="0">
+                <a:latin typeface="Courier New" pitchFamily="49" charset="0"/>
+                <a:cs typeface="Courier New" pitchFamily="49" charset="0"/>
+              </a:rPr>
+              <a:t>}</a:t>
+            </a:r>
+            <a:endParaRPr lang="en-US" sz="1200" b="1" dirty="0" smtClean="0">
+              <a:latin typeface="Courier New" pitchFamily="49" charset="0"/>
+              <a:cs typeface="Courier New" pitchFamily="49" charset="0"/>
+            </a:endParaRPr>
+          </a:p>
+          <a:p>
+            <a:pPr defTabSz="180975"/>
+            <a:r>
+              <a:rPr lang="ru-RU" sz="1200" b="1" dirty="0" smtClean="0">
+                <a:latin typeface="Courier New" pitchFamily="49" charset="0"/>
+                <a:cs typeface="Courier New" pitchFamily="49" charset="0"/>
+              </a:rPr>
+              <a:t>};</a:t>
+            </a:r>
+            <a:endParaRPr lang="ru-RU" sz="1200" b="1" dirty="0">
+              <a:latin typeface="Courier New" pitchFamily="49" charset="0"/>
+              <a:cs typeface="Courier New" pitchFamily="49" charset="0"/>
+            </a:endParaRPr>
+          </a:p>
+        </p:txBody>
+      </p:sp>
+      <p:sp>
+        <p:nvSpPr>
+          <p:cNvPr id="11" name="Прямоугольник 10"/>
+          <p:cNvSpPr/>
+          <p:nvPr/>
+        </p:nvSpPr>
+        <p:spPr>
+          <a:xfrm>
+            <a:off x="27856" y="5013176"/>
+            <a:ext cx="4202360" cy="1754326"/>
+          </a:xfrm>
+          <a:prstGeom prst="rect">
+            <a:avLst/>
+          </a:prstGeom>
+          <a:ln>
+            <a:solidFill>
+              <a:srgbClr val="FF0000"/>
+            </a:solidFill>
+          </a:ln>
+        </p:spPr>
+        <p:style>
+          <a:lnRef idx="2">
+            <a:schemeClr val="dk1"/>
+          </a:lnRef>
+          <a:fillRef idx="1">
+            <a:schemeClr val="lt1"/>
+          </a:fillRef>
+          <a:effectRef idx="0">
+            <a:schemeClr val="dk1"/>
+          </a:effectRef>
+          <a:fontRef idx="minor">
+            <a:schemeClr val="dk1"/>
+          </a:fontRef>
+        </p:style>
+        <p:txBody>
+          <a:bodyPr wrap="square">
+            <a:spAutoFit/>
+          </a:bodyPr>
+          <a:lstStyle/>
+          <a:p>
+            <a:pPr defTabSz="180975"/>
+            <a:r>
+              <a:rPr lang="en-US" sz="1200" b="1" dirty="0">
+                <a:latin typeface="Courier New" pitchFamily="49" charset="0"/>
+                <a:cs typeface="Courier New" pitchFamily="49" charset="0"/>
+              </a:rPr>
+              <a:t>class </a:t>
+            </a:r>
+            <a:r>
+              <a:rPr lang="en-US" sz="1200" b="1" dirty="0" err="1">
+                <a:latin typeface="Courier New" pitchFamily="49" charset="0"/>
+                <a:cs typeface="Courier New" pitchFamily="49" charset="0"/>
+              </a:rPr>
+              <a:t>CTime</a:t>
+            </a:r>
+            <a:endParaRPr lang="en-US" sz="1200" b="1" dirty="0">
+              <a:latin typeface="Courier New" pitchFamily="49" charset="0"/>
+              <a:cs typeface="Courier New" pitchFamily="49" charset="0"/>
+            </a:endParaRPr>
+          </a:p>
+          <a:p>
+            <a:pPr defTabSz="180975"/>
+            <a:r>
+              <a:rPr lang="ru-RU" sz="1200" b="1" dirty="0">
+                <a:latin typeface="Courier New" pitchFamily="49" charset="0"/>
+                <a:cs typeface="Courier New" pitchFamily="49" charset="0"/>
+              </a:rPr>
+              <a:t>{</a:t>
+            </a:r>
+          </a:p>
+          <a:p>
+            <a:pPr defTabSz="180975"/>
+            <a:r>
+              <a:rPr lang="en-US" sz="1200" b="1" dirty="0">
+                <a:latin typeface="Courier New" pitchFamily="49" charset="0"/>
+                <a:cs typeface="Courier New" pitchFamily="49" charset="0"/>
+              </a:rPr>
+              <a:t>public</a:t>
+            </a:r>
+            <a:r>
+              <a:rPr lang="en-US" sz="1200" b="1" dirty="0" smtClean="0">
+                <a:latin typeface="Courier New" pitchFamily="49" charset="0"/>
+                <a:cs typeface="Courier New" pitchFamily="49" charset="0"/>
+              </a:rPr>
+              <a:t>:</a:t>
+            </a:r>
+          </a:p>
+          <a:p>
+            <a:pPr defTabSz="180975"/>
+            <a:r>
+              <a:rPr lang="en-US" sz="1200" b="1" dirty="0">
+                <a:latin typeface="Courier New" pitchFamily="49" charset="0"/>
+                <a:cs typeface="Courier New" pitchFamily="49" charset="0"/>
+              </a:rPr>
+              <a:t>	</a:t>
+            </a:r>
+            <a:r>
+              <a:rPr lang="en-US" sz="1200" b="1" dirty="0" smtClean="0">
+                <a:latin typeface="Courier New" pitchFamily="49" charset="0"/>
+                <a:cs typeface="Courier New" pitchFamily="49" charset="0"/>
+              </a:rPr>
+              <a:t>…</a:t>
+            </a:r>
+            <a:endParaRPr lang="en-US" sz="1200" b="1" dirty="0">
+              <a:latin typeface="Courier New" pitchFamily="49" charset="0"/>
+              <a:cs typeface="Courier New" pitchFamily="49" charset="0"/>
+            </a:endParaRPr>
+          </a:p>
+          <a:p>
+            <a:pPr defTabSz="180975"/>
+            <a:r>
+              <a:rPr lang="en-US" sz="1200" b="1" dirty="0" smtClean="0">
+                <a:latin typeface="Courier New" pitchFamily="49" charset="0"/>
+                <a:cs typeface="Courier New" pitchFamily="49" charset="0"/>
+              </a:rPr>
+              <a:t>	</a:t>
+            </a:r>
+            <a:r>
+              <a:rPr lang="en-US" sz="1200" b="1" dirty="0" err="1" smtClean="0">
+                <a:latin typeface="Courier New" pitchFamily="49" charset="0"/>
+                <a:cs typeface="Courier New" pitchFamily="49" charset="0"/>
+              </a:rPr>
+              <a:t>bool</a:t>
+            </a:r>
+            <a:r>
+              <a:rPr lang="en-US" sz="1200" b="1" dirty="0" smtClean="0">
+                <a:latin typeface="Courier New" pitchFamily="49" charset="0"/>
+                <a:cs typeface="Courier New" pitchFamily="49" charset="0"/>
+              </a:rPr>
+              <a:t> </a:t>
+            </a:r>
+            <a:r>
+              <a:rPr lang="en-US" sz="1200" b="1" dirty="0">
+                <a:latin typeface="Courier New" pitchFamily="49" charset="0"/>
+                <a:cs typeface="Courier New" pitchFamily="49" charset="0"/>
+              </a:rPr>
+              <a:t>operator &gt;= (</a:t>
+            </a:r>
+            <a:r>
+              <a:rPr lang="en-US" sz="1200" b="1" dirty="0" err="1">
+                <a:latin typeface="Courier New" pitchFamily="49" charset="0"/>
+                <a:cs typeface="Courier New" pitchFamily="49" charset="0"/>
+              </a:rPr>
+              <a:t>CTime</a:t>
+            </a:r>
+            <a:r>
+              <a:rPr lang="en-US" sz="1200" b="1" dirty="0">
+                <a:latin typeface="Courier New" pitchFamily="49" charset="0"/>
+                <a:cs typeface="Courier New" pitchFamily="49" charset="0"/>
+              </a:rPr>
+              <a:t> </a:t>
+            </a:r>
+            <a:r>
+              <a:rPr lang="en-US" sz="1200" b="1" dirty="0" smtClean="0">
+                <a:latin typeface="Courier New" pitchFamily="49" charset="0"/>
+                <a:cs typeface="Courier New" pitchFamily="49" charset="0"/>
+              </a:rPr>
+              <a:t>&amp; t)</a:t>
+            </a:r>
+          </a:p>
+          <a:p>
+            <a:pPr defTabSz="180975"/>
+            <a:r>
+              <a:rPr lang="en-US" sz="1200" b="1" dirty="0" smtClean="0">
+                <a:latin typeface="Courier New" pitchFamily="49" charset="0"/>
+                <a:cs typeface="Courier New" pitchFamily="49" charset="0"/>
+              </a:rPr>
+              <a:t>	</a:t>
+            </a:r>
+            <a:r>
+              <a:rPr lang="ru-RU" sz="1200" b="1" dirty="0" smtClean="0">
+                <a:latin typeface="Courier New" pitchFamily="49" charset="0"/>
+                <a:cs typeface="Courier New" pitchFamily="49" charset="0"/>
+              </a:rPr>
+              <a:t>{</a:t>
+            </a:r>
+          </a:p>
+          <a:p>
+            <a:pPr defTabSz="180975"/>
+            <a:r>
+              <a:rPr lang="en-US" sz="1200" b="1" dirty="0" smtClean="0">
+                <a:latin typeface="Courier New" pitchFamily="49" charset="0"/>
+                <a:cs typeface="Courier New" pitchFamily="49" charset="0"/>
+              </a:rPr>
+              <a:t>		return </a:t>
+            </a:r>
+            <a:r>
+              <a:rPr lang="en-US" sz="1200" b="1" dirty="0" err="1">
+                <a:latin typeface="Courier New" pitchFamily="49" charset="0"/>
+                <a:cs typeface="Courier New" pitchFamily="49" charset="0"/>
+              </a:rPr>
+              <a:t>m_timeOffset</a:t>
+            </a:r>
+            <a:r>
+              <a:rPr lang="en-US" sz="1200" b="1" dirty="0">
+                <a:latin typeface="Courier New" pitchFamily="49" charset="0"/>
+                <a:cs typeface="Courier New" pitchFamily="49" charset="0"/>
+              </a:rPr>
+              <a:t> &gt;= </a:t>
+            </a:r>
+            <a:r>
+              <a:rPr lang="en-US" sz="1200" b="1" dirty="0" err="1">
+                <a:latin typeface="Courier New" pitchFamily="49" charset="0"/>
+                <a:cs typeface="Courier New" pitchFamily="49" charset="0"/>
+              </a:rPr>
+              <a:t>t.m_timeOffset</a:t>
+            </a:r>
+            <a:r>
+              <a:rPr lang="en-US" sz="1200" b="1" dirty="0">
+                <a:latin typeface="Courier New" pitchFamily="49" charset="0"/>
+                <a:cs typeface="Courier New" pitchFamily="49" charset="0"/>
+              </a:rPr>
+              <a:t>;</a:t>
+            </a:r>
+          </a:p>
+          <a:p>
+            <a:pPr defTabSz="180975"/>
+            <a:r>
+              <a:rPr lang="en-US" sz="1200" b="1" dirty="0" smtClean="0">
+                <a:latin typeface="Courier New" pitchFamily="49" charset="0"/>
+                <a:cs typeface="Courier New" pitchFamily="49" charset="0"/>
+              </a:rPr>
+              <a:t>	</a:t>
+            </a:r>
+            <a:r>
+              <a:rPr lang="ru-RU" sz="1200" b="1" dirty="0" smtClean="0">
+                <a:latin typeface="Courier New" pitchFamily="49" charset="0"/>
+                <a:cs typeface="Courier New" pitchFamily="49" charset="0"/>
+              </a:rPr>
+              <a:t>}</a:t>
+            </a:r>
+            <a:endParaRPr lang="en-US" sz="1200" b="1" dirty="0" smtClean="0">
+              <a:latin typeface="Courier New" pitchFamily="49" charset="0"/>
+              <a:cs typeface="Courier New" pitchFamily="49" charset="0"/>
+            </a:endParaRPr>
+          </a:p>
+          <a:p>
+            <a:pPr defTabSz="180975"/>
+            <a:r>
+              <a:rPr lang="ru-RU" sz="1200" b="1" dirty="0" smtClean="0">
+                <a:latin typeface="Courier New" pitchFamily="49" charset="0"/>
+                <a:cs typeface="Courier New" pitchFamily="49" charset="0"/>
+              </a:rPr>
+              <a:t>};</a:t>
+            </a:r>
+            <a:endParaRPr lang="ru-RU" sz="1200" b="1" dirty="0">
+              <a:latin typeface="Courier New" pitchFamily="49" charset="0"/>
+              <a:cs typeface="Courier New" pitchFamily="49" charset="0"/>
+            </a:endParaRPr>
+          </a:p>
+        </p:txBody>
+      </p:sp>
+      <p:sp>
+        <p:nvSpPr>
+          <p:cNvPr id="12" name="Прямоугольник 11"/>
+          <p:cNvSpPr/>
+          <p:nvPr/>
+        </p:nvSpPr>
+        <p:spPr>
+          <a:xfrm>
+            <a:off x="4499992" y="4713094"/>
+            <a:ext cx="4616151" cy="2123658"/>
+          </a:xfrm>
+          <a:prstGeom prst="rect">
+            <a:avLst/>
+          </a:prstGeom>
+          <a:ln>
+            <a:solidFill>
+              <a:srgbClr val="00B050"/>
+            </a:solidFill>
+          </a:ln>
+        </p:spPr>
+        <p:style>
+          <a:lnRef idx="2">
+            <a:schemeClr val="dk1"/>
+          </a:lnRef>
+          <a:fillRef idx="1">
+            <a:schemeClr val="lt1"/>
+          </a:fillRef>
+          <a:effectRef idx="0">
+            <a:schemeClr val="dk1"/>
+          </a:effectRef>
+          <a:fontRef idx="minor">
+            <a:schemeClr val="dk1"/>
+          </a:fontRef>
+        </p:style>
+        <p:txBody>
+          <a:bodyPr wrap="square">
+            <a:spAutoFit/>
+          </a:bodyPr>
+          <a:lstStyle/>
+          <a:p>
+            <a:pPr defTabSz="180975"/>
+            <a:r>
+              <a:rPr lang="en-US" sz="1200" b="1" dirty="0">
+                <a:latin typeface="Courier New" pitchFamily="49" charset="0"/>
+                <a:cs typeface="Courier New" pitchFamily="49" charset="0"/>
+              </a:rPr>
+              <a:t>class </a:t>
+            </a:r>
+            <a:r>
+              <a:rPr lang="en-US" sz="1200" b="1" dirty="0" err="1">
+                <a:latin typeface="Courier New" pitchFamily="49" charset="0"/>
+                <a:cs typeface="Courier New" pitchFamily="49" charset="0"/>
+              </a:rPr>
+              <a:t>CTime</a:t>
+            </a:r>
+            <a:endParaRPr lang="en-US" sz="1200" b="1" dirty="0">
+              <a:latin typeface="Courier New" pitchFamily="49" charset="0"/>
+              <a:cs typeface="Courier New" pitchFamily="49" charset="0"/>
+            </a:endParaRPr>
+          </a:p>
+          <a:p>
+            <a:pPr defTabSz="180975"/>
+            <a:r>
+              <a:rPr lang="ru-RU" sz="1200" b="1" dirty="0" smtClean="0">
+                <a:latin typeface="Courier New" pitchFamily="49" charset="0"/>
+                <a:cs typeface="Courier New" pitchFamily="49" charset="0"/>
+              </a:rPr>
+              <a:t>{</a:t>
+            </a:r>
+            <a:endParaRPr lang="en-US" sz="1200" b="1" dirty="0" smtClean="0">
+              <a:latin typeface="Courier New" pitchFamily="49" charset="0"/>
+              <a:cs typeface="Courier New" pitchFamily="49" charset="0"/>
+            </a:endParaRPr>
+          </a:p>
+          <a:p>
+            <a:pPr defTabSz="180975"/>
+            <a:r>
+              <a:rPr lang="en-US" sz="1200" b="1" dirty="0" smtClean="0">
+                <a:latin typeface="Courier New" pitchFamily="49" charset="0"/>
+                <a:cs typeface="Courier New" pitchFamily="49" charset="0"/>
+              </a:rPr>
+              <a:t>public:</a:t>
+            </a:r>
+            <a:endParaRPr lang="ru-RU" sz="1200" b="1" dirty="0">
+              <a:latin typeface="Courier New" pitchFamily="49" charset="0"/>
+              <a:cs typeface="Courier New" pitchFamily="49" charset="0"/>
+            </a:endParaRPr>
+          </a:p>
+          <a:p>
+            <a:pPr defTabSz="180975"/>
+            <a:r>
+              <a:rPr lang="en-US" sz="1200" b="1" dirty="0">
+                <a:latin typeface="Courier New" pitchFamily="49" charset="0"/>
+                <a:cs typeface="Courier New" pitchFamily="49" charset="0"/>
+              </a:rPr>
+              <a:t>	</a:t>
+            </a:r>
+            <a:r>
+              <a:rPr lang="en-US" sz="1200" b="1" dirty="0" smtClean="0">
+                <a:latin typeface="Courier New" pitchFamily="49" charset="0"/>
+                <a:cs typeface="Courier New" pitchFamily="49" charset="0"/>
+              </a:rPr>
+              <a:t>…</a:t>
+            </a:r>
+          </a:p>
+          <a:p>
+            <a:pPr defTabSz="180975"/>
+            <a:r>
+              <a:rPr lang="ru-RU" sz="1200" b="1" dirty="0" smtClean="0">
+                <a:latin typeface="Courier New" pitchFamily="49" charset="0"/>
+                <a:cs typeface="Courier New" pitchFamily="49" charset="0"/>
+              </a:rPr>
+              <a:t>	</a:t>
+            </a:r>
+            <a:r>
+              <a:rPr lang="en-US" sz="1200" b="1" dirty="0" smtClean="0">
+                <a:latin typeface="Courier New" pitchFamily="49" charset="0"/>
+                <a:cs typeface="Courier New" pitchFamily="49" charset="0"/>
+              </a:rPr>
+              <a:t>friend </a:t>
+            </a:r>
+            <a:r>
+              <a:rPr lang="en-US" sz="1200" b="1" dirty="0" err="1">
+                <a:latin typeface="Courier New" pitchFamily="49" charset="0"/>
+                <a:cs typeface="Courier New" pitchFamily="49" charset="0"/>
+              </a:rPr>
+              <a:t>bool</a:t>
+            </a:r>
+            <a:r>
+              <a:rPr lang="en-US" sz="1200" b="1" dirty="0">
+                <a:latin typeface="Courier New" pitchFamily="49" charset="0"/>
+                <a:cs typeface="Courier New" pitchFamily="49" charset="0"/>
+              </a:rPr>
+              <a:t> operator</a:t>
+            </a:r>
+            <a:r>
+              <a:rPr lang="en-US" sz="1200" b="1" dirty="0" smtClean="0">
+                <a:latin typeface="Courier New" pitchFamily="49" charset="0"/>
+                <a:cs typeface="Courier New" pitchFamily="49" charset="0"/>
+              </a:rPr>
+              <a:t>&gt;=</a:t>
+            </a:r>
+            <a:endParaRPr lang="ru-RU" sz="1200" b="1" dirty="0" smtClean="0">
+              <a:latin typeface="Courier New" pitchFamily="49" charset="0"/>
+              <a:cs typeface="Courier New" pitchFamily="49" charset="0"/>
+            </a:endParaRPr>
+          </a:p>
+          <a:p>
+            <a:pPr defTabSz="180975"/>
+            <a:r>
+              <a:rPr lang="ru-RU" sz="1200" b="1" dirty="0">
+                <a:latin typeface="Courier New" pitchFamily="49" charset="0"/>
+                <a:cs typeface="Courier New" pitchFamily="49" charset="0"/>
+              </a:rPr>
+              <a:t>	</a:t>
+            </a:r>
+            <a:r>
+              <a:rPr lang="ru-RU" sz="1200" b="1" dirty="0" smtClean="0">
+                <a:latin typeface="Courier New" pitchFamily="49" charset="0"/>
+                <a:cs typeface="Courier New" pitchFamily="49" charset="0"/>
+              </a:rPr>
+              <a:t>	</a:t>
+            </a:r>
+            <a:r>
+              <a:rPr lang="en-US" sz="1200" b="1" dirty="0" smtClean="0">
+                <a:latin typeface="Courier New" pitchFamily="49" charset="0"/>
+                <a:cs typeface="Courier New" pitchFamily="49" charset="0"/>
+              </a:rPr>
+              <a:t>(</a:t>
+            </a:r>
+            <a:r>
+              <a:rPr lang="en-US" sz="1200" b="1" dirty="0" err="1">
+                <a:latin typeface="Courier New" pitchFamily="49" charset="0"/>
+                <a:cs typeface="Courier New" pitchFamily="49" charset="0"/>
+              </a:rPr>
+              <a:t>CTime</a:t>
+            </a:r>
+            <a:r>
+              <a:rPr lang="en-US" sz="1200" b="1" dirty="0">
+                <a:latin typeface="Courier New" pitchFamily="49" charset="0"/>
+                <a:cs typeface="Courier New" pitchFamily="49" charset="0"/>
+              </a:rPr>
+              <a:t> </a:t>
+            </a:r>
+            <a:r>
+              <a:rPr lang="en-US" sz="1200" b="1" dirty="0" err="1">
+                <a:latin typeface="Courier New" pitchFamily="49" charset="0"/>
+                <a:cs typeface="Courier New" pitchFamily="49" charset="0"/>
+              </a:rPr>
+              <a:t>const</a:t>
+            </a:r>
+            <a:r>
+              <a:rPr lang="en-US" sz="1200" b="1" dirty="0">
+                <a:latin typeface="Courier New" pitchFamily="49" charset="0"/>
+                <a:cs typeface="Courier New" pitchFamily="49" charset="0"/>
+              </a:rPr>
+              <a:t>&amp; t, </a:t>
+            </a:r>
+            <a:r>
+              <a:rPr lang="en-US" sz="1200" b="1" dirty="0" err="1">
+                <a:latin typeface="Courier New" pitchFamily="49" charset="0"/>
+                <a:cs typeface="Courier New" pitchFamily="49" charset="0"/>
+              </a:rPr>
+              <a:t>CTime</a:t>
+            </a:r>
+            <a:r>
+              <a:rPr lang="en-US" sz="1200" b="1" dirty="0">
+                <a:latin typeface="Courier New" pitchFamily="49" charset="0"/>
+                <a:cs typeface="Courier New" pitchFamily="49" charset="0"/>
+              </a:rPr>
+              <a:t> </a:t>
+            </a:r>
+            <a:r>
+              <a:rPr lang="en-US" sz="1200" b="1" dirty="0" err="1">
+                <a:latin typeface="Courier New" pitchFamily="49" charset="0"/>
+                <a:cs typeface="Courier New" pitchFamily="49" charset="0"/>
+              </a:rPr>
+              <a:t>const</a:t>
+            </a:r>
+            <a:r>
+              <a:rPr lang="en-US" sz="1200" b="1" dirty="0">
+                <a:latin typeface="Courier New" pitchFamily="49" charset="0"/>
+                <a:cs typeface="Courier New" pitchFamily="49" charset="0"/>
+              </a:rPr>
+              <a:t>&amp; t1</a:t>
+            </a:r>
+            <a:r>
+              <a:rPr lang="en-US" sz="1200" b="1" dirty="0" smtClean="0">
+                <a:latin typeface="Courier New" pitchFamily="49" charset="0"/>
+                <a:cs typeface="Courier New" pitchFamily="49" charset="0"/>
+              </a:rPr>
+              <a:t>);</a:t>
+            </a:r>
+            <a:endParaRPr lang="en-US" sz="1200" b="1" dirty="0">
+              <a:latin typeface="Courier New" pitchFamily="49" charset="0"/>
+              <a:cs typeface="Courier New" pitchFamily="49" charset="0"/>
+            </a:endParaRPr>
+          </a:p>
+          <a:p>
+            <a:pPr defTabSz="180975"/>
+            <a:r>
+              <a:rPr lang="ru-RU" sz="1200" b="1" dirty="0" smtClean="0">
+                <a:latin typeface="Courier New" pitchFamily="49" charset="0"/>
+                <a:cs typeface="Courier New" pitchFamily="49" charset="0"/>
+              </a:rPr>
+              <a:t>};</a:t>
+            </a:r>
+            <a:endParaRPr lang="en-US" sz="1200" b="1" dirty="0" smtClean="0">
+              <a:latin typeface="Courier New" pitchFamily="49" charset="0"/>
+              <a:cs typeface="Courier New" pitchFamily="49" charset="0"/>
+            </a:endParaRPr>
+          </a:p>
+          <a:p>
+            <a:pPr defTabSz="180975"/>
+            <a:r>
+              <a:rPr lang="en-US" sz="1200" b="1" dirty="0" err="1" smtClean="0">
+                <a:latin typeface="Courier New" pitchFamily="49" charset="0"/>
+                <a:cs typeface="Courier New" pitchFamily="49" charset="0"/>
+              </a:rPr>
+              <a:t>bool</a:t>
+            </a:r>
+            <a:r>
+              <a:rPr lang="en-US" sz="1200" b="1" dirty="0" smtClean="0">
+                <a:latin typeface="Courier New" pitchFamily="49" charset="0"/>
+                <a:cs typeface="Courier New" pitchFamily="49" charset="0"/>
+              </a:rPr>
+              <a:t> operator&gt;=(</a:t>
+            </a:r>
+            <a:r>
+              <a:rPr lang="en-US" sz="1200" b="1" dirty="0" err="1">
+                <a:latin typeface="Courier New" pitchFamily="49" charset="0"/>
+                <a:cs typeface="Courier New" pitchFamily="49" charset="0"/>
+              </a:rPr>
+              <a:t>CTime</a:t>
+            </a:r>
+            <a:r>
+              <a:rPr lang="en-US" sz="1200" b="1" dirty="0">
+                <a:latin typeface="Courier New" pitchFamily="49" charset="0"/>
+                <a:cs typeface="Courier New" pitchFamily="49" charset="0"/>
+              </a:rPr>
+              <a:t> </a:t>
+            </a:r>
+            <a:r>
+              <a:rPr lang="en-US" sz="1200" b="1" dirty="0" err="1">
+                <a:latin typeface="Courier New" pitchFamily="49" charset="0"/>
+                <a:cs typeface="Courier New" pitchFamily="49" charset="0"/>
+              </a:rPr>
+              <a:t>const</a:t>
+            </a:r>
+            <a:r>
+              <a:rPr lang="en-US" sz="1200" b="1" dirty="0">
+                <a:latin typeface="Courier New" pitchFamily="49" charset="0"/>
+                <a:cs typeface="Courier New" pitchFamily="49" charset="0"/>
+              </a:rPr>
+              <a:t>&amp; </a:t>
+            </a:r>
+            <a:r>
+              <a:rPr lang="en-US" sz="1200" b="1" dirty="0" smtClean="0">
+                <a:latin typeface="Courier New" pitchFamily="49" charset="0"/>
+                <a:cs typeface="Courier New" pitchFamily="49" charset="0"/>
+              </a:rPr>
+              <a:t>t, </a:t>
+            </a:r>
+            <a:r>
+              <a:rPr lang="en-US" sz="1200" b="1" dirty="0" err="1">
+                <a:latin typeface="Courier New" pitchFamily="49" charset="0"/>
+                <a:cs typeface="Courier New" pitchFamily="49" charset="0"/>
+              </a:rPr>
+              <a:t>CTime</a:t>
+            </a:r>
+            <a:r>
+              <a:rPr lang="en-US" sz="1200" b="1" dirty="0">
+                <a:latin typeface="Courier New" pitchFamily="49" charset="0"/>
+                <a:cs typeface="Courier New" pitchFamily="49" charset="0"/>
+              </a:rPr>
+              <a:t> </a:t>
+            </a:r>
+            <a:r>
+              <a:rPr lang="en-US" sz="1200" b="1" dirty="0" err="1">
+                <a:latin typeface="Courier New" pitchFamily="49" charset="0"/>
+                <a:cs typeface="Courier New" pitchFamily="49" charset="0"/>
+              </a:rPr>
+              <a:t>const</a:t>
+            </a:r>
+            <a:r>
+              <a:rPr lang="en-US" sz="1200" b="1" dirty="0">
+                <a:latin typeface="Courier New" pitchFamily="49" charset="0"/>
+                <a:cs typeface="Courier New" pitchFamily="49" charset="0"/>
+              </a:rPr>
+              <a:t>&amp; </a:t>
+            </a:r>
+            <a:r>
+              <a:rPr lang="en-US" sz="1200" b="1" dirty="0" smtClean="0">
+                <a:latin typeface="Courier New" pitchFamily="49" charset="0"/>
+                <a:cs typeface="Courier New" pitchFamily="49" charset="0"/>
+              </a:rPr>
+              <a:t>t1)</a:t>
+            </a:r>
+            <a:endParaRPr lang="en-US" sz="1200" b="1" dirty="0">
+              <a:latin typeface="Courier New" pitchFamily="49" charset="0"/>
+              <a:cs typeface="Courier New" pitchFamily="49" charset="0"/>
+            </a:endParaRPr>
+          </a:p>
+          <a:p>
+            <a:pPr defTabSz="180975"/>
+            <a:r>
+              <a:rPr lang="ru-RU" sz="1200" b="1" dirty="0" smtClean="0">
+                <a:latin typeface="Courier New" pitchFamily="49" charset="0"/>
+                <a:cs typeface="Courier New" pitchFamily="49" charset="0"/>
+              </a:rPr>
+              <a:t>{</a:t>
+            </a:r>
+            <a:endParaRPr lang="ru-RU" sz="1200" b="1" dirty="0">
+              <a:latin typeface="Courier New" pitchFamily="49" charset="0"/>
+              <a:cs typeface="Courier New" pitchFamily="49" charset="0"/>
+            </a:endParaRPr>
+          </a:p>
+          <a:p>
+            <a:pPr defTabSz="180975"/>
+            <a:r>
+              <a:rPr lang="en-US" sz="1200" b="1" dirty="0">
+                <a:latin typeface="Courier New" pitchFamily="49" charset="0"/>
+                <a:cs typeface="Courier New" pitchFamily="49" charset="0"/>
+              </a:rPr>
+              <a:t>	return </a:t>
+            </a:r>
+            <a:r>
+              <a:rPr lang="en-US" sz="1200" b="1" dirty="0" err="1" smtClean="0">
+                <a:latin typeface="Courier New" pitchFamily="49" charset="0"/>
+                <a:cs typeface="Courier New" pitchFamily="49" charset="0"/>
+              </a:rPr>
+              <a:t>t.m_timeOffset</a:t>
+            </a:r>
+            <a:r>
+              <a:rPr lang="en-US" sz="1200" b="1" dirty="0" smtClean="0">
+                <a:latin typeface="Courier New" pitchFamily="49" charset="0"/>
+                <a:cs typeface="Courier New" pitchFamily="49" charset="0"/>
+              </a:rPr>
+              <a:t> </a:t>
+            </a:r>
+            <a:r>
+              <a:rPr lang="en-US" sz="1200" b="1" dirty="0">
+                <a:latin typeface="Courier New" pitchFamily="49" charset="0"/>
+                <a:cs typeface="Courier New" pitchFamily="49" charset="0"/>
+              </a:rPr>
+              <a:t>&gt;= </a:t>
+            </a:r>
+            <a:r>
+              <a:rPr lang="en-US" sz="1200" b="1" dirty="0" smtClean="0">
+                <a:latin typeface="Courier New" pitchFamily="49" charset="0"/>
+                <a:cs typeface="Courier New" pitchFamily="49" charset="0"/>
+              </a:rPr>
+              <a:t>t1.m_timeOffset</a:t>
+            </a:r>
+            <a:r>
+              <a:rPr lang="en-US" sz="1200" b="1" dirty="0">
+                <a:latin typeface="Courier New" pitchFamily="49" charset="0"/>
+                <a:cs typeface="Courier New" pitchFamily="49" charset="0"/>
+              </a:rPr>
+              <a:t>;</a:t>
+            </a:r>
+          </a:p>
+          <a:p>
+            <a:pPr defTabSz="180975"/>
+            <a:r>
+              <a:rPr lang="ru-RU" sz="1200" b="1" dirty="0" smtClean="0">
+                <a:latin typeface="Courier New" pitchFamily="49" charset="0"/>
+                <a:cs typeface="Courier New" pitchFamily="49" charset="0"/>
+              </a:rPr>
+              <a:t>}</a:t>
+            </a:r>
+            <a:endParaRPr lang="en-US" sz="1200" b="1" dirty="0">
+              <a:latin typeface="Courier New" pitchFamily="49" charset="0"/>
+              <a:cs typeface="Courier New" pitchFamily="49" charset="0"/>
+            </a:endParaRPr>
+          </a:p>
+        </p:txBody>
+      </p:sp>
+      <p:sp>
+        <p:nvSpPr>
+          <p:cNvPr id="13" name="TextBox 12"/>
+          <p:cNvSpPr txBox="1"/>
+          <p:nvPr/>
+        </p:nvSpPr>
+        <p:spPr>
+          <a:xfrm>
+            <a:off x="3923928" y="3088010"/>
+            <a:ext cx="306288" cy="369332"/>
+          </a:xfrm>
+          <a:prstGeom prst="rect">
+            <a:avLst/>
+          </a:prstGeom>
+          <a:noFill/>
+        </p:spPr>
+        <p:txBody>
+          <a:bodyPr wrap="square" rtlCol="0">
+            <a:spAutoFit/>
+          </a:bodyPr>
+          <a:lstStyle/>
+          <a:p>
+            <a:pPr algn="r"/>
+            <a:r>
+              <a:rPr lang="en-US" dirty="0"/>
+              <a:t>A</a:t>
+            </a:r>
+            <a:endParaRPr lang="ru-RU" dirty="0"/>
+          </a:p>
+        </p:txBody>
+      </p:sp>
+      <p:sp>
+        <p:nvSpPr>
+          <p:cNvPr id="14" name="TextBox 13"/>
+          <p:cNvSpPr txBox="1"/>
+          <p:nvPr/>
+        </p:nvSpPr>
+        <p:spPr>
+          <a:xfrm>
+            <a:off x="8805291" y="2799745"/>
+            <a:ext cx="306288" cy="369332"/>
+          </a:xfrm>
+          <a:prstGeom prst="rect">
+            <a:avLst/>
+          </a:prstGeom>
+          <a:noFill/>
+        </p:spPr>
+        <p:txBody>
+          <a:bodyPr wrap="square" rtlCol="0">
+            <a:spAutoFit/>
+          </a:bodyPr>
+          <a:lstStyle/>
+          <a:p>
+            <a:pPr algn="r"/>
+            <a:r>
+              <a:rPr lang="en-US" dirty="0" smtClean="0"/>
+              <a:t>B</a:t>
+            </a:r>
+            <a:endParaRPr lang="ru-RU" dirty="0"/>
+          </a:p>
+        </p:txBody>
+      </p:sp>
+      <p:sp>
+        <p:nvSpPr>
+          <p:cNvPr id="17" name="TextBox 16"/>
+          <p:cNvSpPr txBox="1"/>
+          <p:nvPr/>
+        </p:nvSpPr>
+        <p:spPr>
+          <a:xfrm>
+            <a:off x="3923928" y="5013176"/>
+            <a:ext cx="306288" cy="369332"/>
+          </a:xfrm>
+          <a:prstGeom prst="rect">
+            <a:avLst/>
+          </a:prstGeom>
+          <a:noFill/>
+        </p:spPr>
+        <p:txBody>
+          <a:bodyPr wrap="square" rtlCol="0">
+            <a:spAutoFit/>
+          </a:bodyPr>
+          <a:lstStyle/>
+          <a:p>
+            <a:pPr algn="r"/>
+            <a:r>
+              <a:rPr lang="en-US" dirty="0" smtClean="0"/>
+              <a:t>C</a:t>
+            </a:r>
+            <a:endParaRPr lang="ru-RU" dirty="0"/>
+          </a:p>
+        </p:txBody>
+      </p:sp>
+      <p:sp>
+        <p:nvSpPr>
+          <p:cNvPr id="18" name="TextBox 17"/>
+          <p:cNvSpPr txBox="1"/>
+          <p:nvPr/>
+        </p:nvSpPr>
+        <p:spPr>
+          <a:xfrm>
+            <a:off x="8837712" y="4713094"/>
+            <a:ext cx="306288" cy="369332"/>
+          </a:xfrm>
+          <a:prstGeom prst="rect">
+            <a:avLst/>
+          </a:prstGeom>
+          <a:noFill/>
+        </p:spPr>
+        <p:txBody>
+          <a:bodyPr wrap="square" rtlCol="0">
+            <a:spAutoFit/>
+          </a:bodyPr>
+          <a:lstStyle/>
+          <a:p>
+            <a:pPr algn="r"/>
+            <a:r>
+              <a:rPr lang="en-US" dirty="0" smtClean="0"/>
+              <a:t>D</a:t>
+            </a:r>
+            <a:endParaRPr lang="ru-RU" dirty="0"/>
+          </a:p>
+        </p:txBody>
+      </p:sp>
+    </p:spTree>
+    <p:extLst>
+      <p:ext uri="{BB962C8B-B14F-4D97-AF65-F5344CB8AC3E}">
+        <p14:creationId xmlns:p14="http://schemas.microsoft.com/office/powerpoint/2010/main" val="467064879"/>
       </p:ext>
     </p:extLst>
   </p:cSld>
